--- a/Presentacion_lab1.pptx
+++ b/Presentacion_lab1.pptx
@@ -8,8 +8,14 @@
     <p:sldId id="256" r:id="rId2"/>
     <p:sldId id="257" r:id="rId3"/>
     <p:sldId id="258" r:id="rId4"/>
-    <p:sldId id="259" r:id="rId5"/>
-    <p:sldId id="260" r:id="rId6"/>
+    <p:sldId id="260" r:id="rId5"/>
+    <p:sldId id="261" r:id="rId6"/>
+    <p:sldId id="262" r:id="rId7"/>
+    <p:sldId id="263" r:id="rId8"/>
+    <p:sldId id="264" r:id="rId9"/>
+    <p:sldId id="265" r:id="rId10"/>
+    <p:sldId id="259" r:id="rId11"/>
+    <p:sldId id="266" r:id="rId12"/>
   </p:sldIdLst>
   <p:sldSz cx="12192000" cy="6858000"/>
   <p:notesSz cx="6858000" cy="9144000"/>
@@ -108,6 +114,11 @@
       </a:defRPr>
     </a:lvl9pPr>
   </p:defaultTextStyle>
+  <p:extLst>
+    <p:ext uri="{EFAFB233-063F-42B5-8137-9DF3F51BA10A}">
+      <p15:sldGuideLst xmlns:p15="http://schemas.microsoft.com/office/powerpoint/2012/main"/>
+    </p:ext>
+  </p:extLst>
 </p:presentation>
 </file>
 
@@ -244,7 +255,7 @@
           <a:p>
             <a:fld id="{A31E97D1-D9B2-4526-90B1-F830E2C18F69}" type="datetimeFigureOut">
               <a:rPr lang="es-ES" smtClean="0"/>
-              <a:t>03/11/2024</a:t>
+              <a:t>04/11/2024</a:t>
             </a:fld>
             <a:endParaRPr lang="es-ES"/>
           </a:p>
@@ -531,7 +542,7 @@
           <a:p>
             <a:fld id="{A31E97D1-D9B2-4526-90B1-F830E2C18F69}" type="datetimeFigureOut">
               <a:rPr lang="es-ES" smtClean="0"/>
-              <a:t>03/11/2024</a:t>
+              <a:t>04/11/2024</a:t>
             </a:fld>
             <a:endParaRPr lang="es-ES"/>
           </a:p>
@@ -723,7 +734,7 @@
           <a:p>
             <a:fld id="{A31E97D1-D9B2-4526-90B1-F830E2C18F69}" type="datetimeFigureOut">
               <a:rPr lang="es-ES" smtClean="0"/>
-              <a:t>03/11/2024</a:t>
+              <a:t>04/11/2024</a:t>
             </a:fld>
             <a:endParaRPr lang="es-ES"/>
           </a:p>
@@ -984,7 +995,7 @@
           <a:p>
             <a:fld id="{A31E97D1-D9B2-4526-90B1-F830E2C18F69}" type="datetimeFigureOut">
               <a:rPr lang="es-ES" smtClean="0"/>
-              <a:t>03/11/2024</a:t>
+              <a:t>04/11/2024</a:t>
             </a:fld>
             <a:endParaRPr lang="es-ES"/>
           </a:p>
@@ -1408,7 +1419,7 @@
           <a:p>
             <a:fld id="{A31E97D1-D9B2-4526-90B1-F830E2C18F69}" type="datetimeFigureOut">
               <a:rPr lang="es-ES" smtClean="0"/>
-              <a:t>03/11/2024</a:t>
+              <a:t>04/11/2024</a:t>
             </a:fld>
             <a:endParaRPr lang="es-ES"/>
           </a:p>
@@ -1954,7 +1965,7 @@
           <a:p>
             <a:fld id="{A31E97D1-D9B2-4526-90B1-F830E2C18F69}" type="datetimeFigureOut">
               <a:rPr lang="es-ES" smtClean="0"/>
-              <a:t>03/11/2024</a:t>
+              <a:t>04/11/2024</a:t>
             </a:fld>
             <a:endParaRPr lang="es-ES"/>
           </a:p>
@@ -2794,7 +2805,7 @@
           <a:p>
             <a:fld id="{A31E97D1-D9B2-4526-90B1-F830E2C18F69}" type="datetimeFigureOut">
               <a:rPr lang="es-ES" smtClean="0"/>
-              <a:t>03/11/2024</a:t>
+              <a:t>04/11/2024</a:t>
             </a:fld>
             <a:endParaRPr lang="es-ES"/>
           </a:p>
@@ -2964,7 +2975,7 @@
           <a:p>
             <a:fld id="{A31E97D1-D9B2-4526-90B1-F830E2C18F69}" type="datetimeFigureOut">
               <a:rPr lang="es-ES" smtClean="0"/>
-              <a:t>03/11/2024</a:t>
+              <a:t>04/11/2024</a:t>
             </a:fld>
             <a:endParaRPr lang="es-ES"/>
           </a:p>
@@ -3148,7 +3159,7 @@
           <a:p>
             <a:fld id="{A31E97D1-D9B2-4526-90B1-F830E2C18F69}" type="datetimeFigureOut">
               <a:rPr lang="es-ES" smtClean="0"/>
-              <a:t>03/11/2024</a:t>
+              <a:t>04/11/2024</a:t>
             </a:fld>
             <a:endParaRPr lang="es-ES"/>
           </a:p>
@@ -3318,7 +3329,7 @@
           <a:p>
             <a:fld id="{A31E97D1-D9B2-4526-90B1-F830E2C18F69}" type="datetimeFigureOut">
               <a:rPr lang="es-ES" smtClean="0"/>
-              <a:t>03/11/2024</a:t>
+              <a:t>04/11/2024</a:t>
             </a:fld>
             <a:endParaRPr lang="es-ES"/>
           </a:p>
@@ -3566,7 +3577,7 @@
           <a:p>
             <a:fld id="{A31E97D1-D9B2-4526-90B1-F830E2C18F69}" type="datetimeFigureOut">
               <a:rPr lang="es-ES" smtClean="0"/>
-              <a:t>03/11/2024</a:t>
+              <a:t>04/11/2024</a:t>
             </a:fld>
             <a:endParaRPr lang="es-ES"/>
           </a:p>
@@ -3803,7 +3814,7 @@
           <a:p>
             <a:fld id="{A31E97D1-D9B2-4526-90B1-F830E2C18F69}" type="datetimeFigureOut">
               <a:rPr lang="es-ES" smtClean="0"/>
-              <a:t>03/11/2024</a:t>
+              <a:t>04/11/2024</a:t>
             </a:fld>
             <a:endParaRPr lang="es-ES"/>
           </a:p>
@@ -4176,7 +4187,7 @@
           <a:p>
             <a:fld id="{A31E97D1-D9B2-4526-90B1-F830E2C18F69}" type="datetimeFigureOut">
               <a:rPr lang="es-ES" smtClean="0"/>
-              <a:t>03/11/2024</a:t>
+              <a:t>04/11/2024</a:t>
             </a:fld>
             <a:endParaRPr lang="es-ES"/>
           </a:p>
@@ -4294,7 +4305,7 @@
           <a:p>
             <a:fld id="{A31E97D1-D9B2-4526-90B1-F830E2C18F69}" type="datetimeFigureOut">
               <a:rPr lang="es-ES" smtClean="0"/>
-              <a:t>03/11/2024</a:t>
+              <a:t>04/11/2024</a:t>
             </a:fld>
             <a:endParaRPr lang="es-ES"/>
           </a:p>
@@ -4389,7 +4400,7 @@
           <a:p>
             <a:fld id="{A31E97D1-D9B2-4526-90B1-F830E2C18F69}" type="datetimeFigureOut">
               <a:rPr lang="es-ES" smtClean="0"/>
-              <a:t>03/11/2024</a:t>
+              <a:t>04/11/2024</a:t>
             </a:fld>
             <a:endParaRPr lang="es-ES"/>
           </a:p>
@@ -4640,7 +4651,7 @@
           <a:p>
             <a:fld id="{A31E97D1-D9B2-4526-90B1-F830E2C18F69}" type="datetimeFigureOut">
               <a:rPr lang="es-ES" smtClean="0"/>
-              <a:t>03/11/2024</a:t>
+              <a:t>04/11/2024</a:t>
             </a:fld>
             <a:endParaRPr lang="es-ES"/>
           </a:p>
@@ -4927,7 +4938,7 @@
           <a:p>
             <a:fld id="{A31E97D1-D9B2-4526-90B1-F830E2C18F69}" type="datetimeFigureOut">
               <a:rPr lang="es-ES" smtClean="0"/>
-              <a:t>03/11/2024</a:t>
+              <a:t>04/11/2024</a:t>
             </a:fld>
             <a:endParaRPr lang="es-ES"/>
           </a:p>
@@ -5140,7 +5151,7 @@
           <a:p>
             <a:fld id="{A31E97D1-D9B2-4526-90B1-F830E2C18F69}" type="datetimeFigureOut">
               <a:rPr lang="es-ES" smtClean="0"/>
-              <a:t>03/11/2024</a:t>
+              <a:t>04/11/2024</a:t>
             </a:fld>
             <a:endParaRPr lang="es-ES"/>
           </a:p>
@@ -5707,6 +5718,377 @@
 </p:sld>
 </file>
 
+<file path=ppt/slides/slide10.xml><?xml version="1.0" encoding="utf-8"?>
+<p:sld xmlns:a="http://schemas.openxmlformats.org/drawingml/2006/main" xmlns:r="http://schemas.openxmlformats.org/officeDocument/2006/relationships" xmlns:p="http://schemas.openxmlformats.org/presentationml/2006/main">
+  <p:cSld>
+    <p:spTree>
+      <p:nvGrpSpPr>
+        <p:cNvPr id="1" name=""/>
+        <p:cNvGrpSpPr/>
+        <p:nvPr/>
+      </p:nvGrpSpPr>
+      <p:grpSpPr>
+        <a:xfrm>
+          <a:off x="0" y="0"/>
+          <a:ext cx="0" cy="0"/>
+          <a:chOff x="0" y="0"/>
+          <a:chExt cx="0" cy="0"/>
+        </a:xfrm>
+      </p:grpSpPr>
+      <p:sp>
+        <p:nvSpPr>
+          <p:cNvPr id="2" name="Título 1">
+            <a:extLst>
+              <a:ext uri="{FF2B5EF4-FFF2-40B4-BE49-F238E27FC236}">
+                <a16:creationId xmlns:a16="http://schemas.microsoft.com/office/drawing/2014/main" id="{A6B10596-E0C0-4B62-8D47-7C2C8E55A437}"/>
+              </a:ext>
+            </a:extLst>
+          </p:cNvPr>
+          <p:cNvSpPr>
+            <a:spLocks noGrp="1"/>
+          </p:cNvSpPr>
+          <p:nvPr>
+            <p:ph type="title"/>
+          </p:nvPr>
+        </p:nvSpPr>
+        <p:spPr/>
+        <p:txBody>
+          <a:bodyPr/>
+          <a:lstStyle/>
+          <a:p>
+            <a:r>
+              <a:rPr lang="es-MX" sz="3600" dirty="0"/>
+              <a:t>Anexo 1: Limpieza de datos</a:t>
+            </a:r>
+            <a:endParaRPr lang="es-ES" dirty="0"/>
+          </a:p>
+        </p:txBody>
+      </p:sp>
+      <p:sp>
+        <p:nvSpPr>
+          <p:cNvPr id="3" name="Marcador de contenido 2">
+            <a:extLst>
+              <a:ext uri="{FF2B5EF4-FFF2-40B4-BE49-F238E27FC236}">
+                <a16:creationId xmlns:a16="http://schemas.microsoft.com/office/drawing/2014/main" id="{40E61EED-7BE8-4B3A-AA0C-0ADBAE1E5503}"/>
+              </a:ext>
+            </a:extLst>
+          </p:cNvPr>
+          <p:cNvSpPr>
+            <a:spLocks noGrp="1"/>
+          </p:cNvSpPr>
+          <p:nvPr>
+            <p:ph idx="1"/>
+          </p:nvPr>
+        </p:nvSpPr>
+        <p:spPr>
+          <a:xfrm>
+            <a:off x="913795" y="1655797"/>
+            <a:ext cx="6731605" cy="4753470"/>
+          </a:xfrm>
+        </p:spPr>
+        <p:txBody>
+          <a:bodyPr>
+            <a:normAutofit fontScale="92500"/>
+          </a:bodyPr>
+          <a:lstStyle/>
+          <a:p>
+            <a:pPr marL="0" indent="0">
+              <a:buNone/>
+            </a:pPr>
+            <a:r>
+              <a:rPr lang="es-MX" sz="1600" dirty="0"/>
+              <a:t>La base de datos esta compuesta de 9996 muestras.</a:t>
+            </a:r>
+            <a:endParaRPr lang="es-MX" sz="1900" dirty="0"/>
+          </a:p>
+          <a:p>
+            <a:pPr marL="0" indent="0">
+              <a:buNone/>
+            </a:pPr>
+            <a:r>
+              <a:rPr lang="es-MX" sz="1600" u="sng" dirty="0"/>
+              <a:t>Eliminación</a:t>
+            </a:r>
+          </a:p>
+          <a:p>
+            <a:pPr lvl="1"/>
+            <a:r>
+              <a:rPr lang="es-MX" sz="1600" dirty="0"/>
+              <a:t>Columna “Country” ya que toda la muestra pertenece al mismo país.</a:t>
+            </a:r>
+          </a:p>
+          <a:p>
+            <a:pPr lvl="1"/>
+            <a:r>
+              <a:rPr lang="es-MX" sz="1600" dirty="0"/>
+              <a:t>Filas 1, 2 y 3406 por duplicados.</a:t>
+            </a:r>
+          </a:p>
+          <a:p>
+            <a:pPr marL="0" lvl="1" indent="0">
+              <a:spcBef>
+                <a:spcPts val="1000"/>
+              </a:spcBef>
+              <a:buNone/>
+            </a:pPr>
+            <a:r>
+              <a:rPr lang="es-MX" sz="1600" u="sng" dirty="0"/>
+              <a:t>Tratamiento de valores faltantes</a:t>
+            </a:r>
+          </a:p>
+          <a:p>
+            <a:pPr lvl="1"/>
+            <a:r>
+              <a:rPr lang="es-MX" sz="1600" dirty="0"/>
+              <a:t>Los espacios vacíos de “City” se rellenan en base al Código Postal</a:t>
+            </a:r>
+          </a:p>
+          <a:p>
+            <a:pPr lvl="1"/>
+            <a:r>
+              <a:rPr lang="es-MX" sz="1600" dirty="0"/>
+              <a:t>Rellenamos celdas con “nombre” vacío en base al “</a:t>
+            </a:r>
+            <a:r>
+              <a:rPr lang="es-MX" sz="1600" dirty="0" err="1"/>
+              <a:t>customer</a:t>
+            </a:r>
+            <a:r>
+              <a:rPr lang="es-MX" sz="1600" dirty="0"/>
+              <a:t> ID”</a:t>
+            </a:r>
+          </a:p>
+          <a:p>
+            <a:pPr marL="0" lvl="1" indent="0">
+              <a:spcBef>
+                <a:spcPts val="1000"/>
+              </a:spcBef>
+              <a:buNone/>
+            </a:pPr>
+            <a:r>
+              <a:rPr lang="es-MX" sz="1600" u="sng" dirty="0"/>
+              <a:t>Transformación de datos</a:t>
+            </a:r>
+          </a:p>
+          <a:p>
+            <a:pPr lvl="1"/>
+            <a:r>
+              <a:rPr lang="es-MX" sz="1600" dirty="0"/>
+              <a:t>Transformación a números la columna cantidad de la fila 17 a 22</a:t>
+            </a:r>
+          </a:p>
+          <a:p>
+            <a:pPr lvl="1"/>
+            <a:r>
+              <a:rPr lang="es-MX" sz="1600" dirty="0"/>
+              <a:t>Transformación a fecha columna “fecha” que se encontraban en numero</a:t>
+            </a:r>
+          </a:p>
+        </p:txBody>
+      </p:sp>
+      <p:pic>
+        <p:nvPicPr>
+          <p:cNvPr id="1026" name="Picture 2" descr="Limpieza de datos - Iconos gratis de seguridad">
+            <a:extLst>
+              <a:ext uri="{FF2B5EF4-FFF2-40B4-BE49-F238E27FC236}">
+                <a16:creationId xmlns:a16="http://schemas.microsoft.com/office/drawing/2014/main" id="{B56C1CC9-C3A7-414F-B5C0-538F4903A851}"/>
+              </a:ext>
+            </a:extLst>
+          </p:cNvPr>
+          <p:cNvPicPr>
+            <a:picLocks noChangeAspect="1" noChangeArrowheads="1"/>
+          </p:cNvPicPr>
+          <p:nvPr/>
+        </p:nvPicPr>
+        <p:blipFill>
+          <a:blip r:embed="rId2">
+            <a:extLst>
+              <a:ext uri="{28A0092B-C50C-407E-A947-70E740481C1C}">
+                <a14:useLocalDpi xmlns:a14="http://schemas.microsoft.com/office/drawing/2010/main" val="0"/>
+              </a:ext>
+            </a:extLst>
+          </a:blip>
+          <a:srcRect/>
+          <a:stretch>
+            <a:fillRect/>
+          </a:stretch>
+        </p:blipFill>
+        <p:spPr bwMode="auto">
+          <a:xfrm>
+            <a:off x="7809711" y="1935921"/>
+            <a:ext cx="3293533" cy="3293533"/>
+          </a:xfrm>
+          <a:prstGeom prst="rect">
+            <a:avLst/>
+          </a:prstGeom>
+          <a:noFill/>
+          <a:extLst>
+            <a:ext uri="{909E8E84-426E-40DD-AFC4-6F175D3DCCD1}">
+              <a14:hiddenFill xmlns:a14="http://schemas.microsoft.com/office/drawing/2010/main">
+                <a:solidFill>
+                  <a:srgbClr val="FFFFFF"/>
+                </a:solidFill>
+              </a14:hiddenFill>
+            </a:ext>
+          </a:extLst>
+        </p:spPr>
+      </p:pic>
+    </p:spTree>
+    <p:extLst>
+      <p:ext uri="{BB962C8B-B14F-4D97-AF65-F5344CB8AC3E}">
+        <p14:creationId xmlns:p14="http://schemas.microsoft.com/office/powerpoint/2010/main" val="1728329683"/>
+      </p:ext>
+    </p:extLst>
+  </p:cSld>
+  <p:clrMapOvr>
+    <a:masterClrMapping/>
+  </p:clrMapOvr>
+</p:sld>
+</file>
+
+<file path=ppt/slides/slide11.xml><?xml version="1.0" encoding="utf-8"?>
+<p:sld xmlns:a="http://schemas.openxmlformats.org/drawingml/2006/main" xmlns:r="http://schemas.openxmlformats.org/officeDocument/2006/relationships" xmlns:p="http://schemas.openxmlformats.org/presentationml/2006/main">
+  <p:cSld>
+    <p:spTree>
+      <p:nvGrpSpPr>
+        <p:cNvPr id="1" name=""/>
+        <p:cNvGrpSpPr/>
+        <p:nvPr/>
+      </p:nvGrpSpPr>
+      <p:grpSpPr>
+        <a:xfrm>
+          <a:off x="0" y="0"/>
+          <a:ext cx="0" cy="0"/>
+          <a:chOff x="0" y="0"/>
+          <a:chExt cx="0" cy="0"/>
+        </a:xfrm>
+      </p:grpSpPr>
+      <p:sp>
+        <p:nvSpPr>
+          <p:cNvPr id="3" name="Marcador de contenido 2">
+            <a:extLst>
+              <a:ext uri="{FF2B5EF4-FFF2-40B4-BE49-F238E27FC236}">
+                <a16:creationId xmlns:a16="http://schemas.microsoft.com/office/drawing/2014/main" id="{67A9FC5D-54FE-4112-9B4C-95DF2E16ED93}"/>
+              </a:ext>
+            </a:extLst>
+          </p:cNvPr>
+          <p:cNvSpPr>
+            <a:spLocks noGrp="1"/>
+          </p:cNvSpPr>
+          <p:nvPr>
+            <p:ph idx="1"/>
+          </p:nvPr>
+        </p:nvSpPr>
+        <p:spPr/>
+        <p:txBody>
+          <a:bodyPr/>
+          <a:lstStyle/>
+          <a:p>
+            <a:r>
+              <a:rPr lang="es-MX" dirty="0"/>
+              <a:t>Mejorar en la interpretación de la base de datos sin modificaciones, para evitar errores que después hay que corregir.</a:t>
+            </a:r>
+          </a:p>
+          <a:p>
+            <a:r>
+              <a:rPr lang="es-MX" dirty="0"/>
+              <a:t>Trabajar mas ordenado en la creación de tablas de dinámica y cruces de variables categóricas.</a:t>
+            </a:r>
+          </a:p>
+          <a:p>
+            <a:r>
+              <a:rPr lang="es-MX" dirty="0"/>
+              <a:t>Mejorar los diseños de los gráficos.</a:t>
+            </a:r>
+          </a:p>
+          <a:p>
+            <a:r>
+              <a:rPr lang="es-MX" dirty="0"/>
+              <a:t>Mejorar en el análisis y recomendaciones a hacer en base a información detectada.</a:t>
+            </a:r>
+            <a:endParaRPr lang="es-ES" dirty="0"/>
+          </a:p>
+        </p:txBody>
+      </p:sp>
+      <p:sp>
+        <p:nvSpPr>
+          <p:cNvPr id="4" name="Título 1">
+            <a:extLst>
+              <a:ext uri="{FF2B5EF4-FFF2-40B4-BE49-F238E27FC236}">
+                <a16:creationId xmlns:a16="http://schemas.microsoft.com/office/drawing/2014/main" id="{BFBD3B4B-0EF5-4AE2-A3FA-66A40DD5DDDD}"/>
+              </a:ext>
+            </a:extLst>
+          </p:cNvPr>
+          <p:cNvSpPr txBox="1">
+            <a:spLocks/>
+          </p:cNvSpPr>
+          <p:nvPr/>
+        </p:nvSpPr>
+        <p:spPr>
+          <a:xfrm>
+            <a:off x="1066195" y="762000"/>
+            <a:ext cx="10353761" cy="1326321"/>
+          </a:xfrm>
+          <a:prstGeom prst="rect">
+            <a:avLst/>
+          </a:prstGeom>
+        </p:spPr>
+        <p:txBody>
+          <a:bodyPr vert="horz" lIns="91440" tIns="45720" rIns="91440" bIns="45720" rtlCol="0" anchor="ctr">
+            <a:normAutofit/>
+          </a:bodyPr>
+          <a:lstStyle>
+            <a:lvl1pPr algn="ctr" defTabSz="914400" rtl="0" eaLnBrk="1" latinLnBrk="0" hangingPunct="1">
+              <a:lnSpc>
+                <a:spcPct val="90000"/>
+              </a:lnSpc>
+              <a:spcBef>
+                <a:spcPct val="0"/>
+              </a:spcBef>
+              <a:buNone/>
+              <a:defRPr sz="3400" b="1" i="0" kern="1200" cap="all">
+                <a:solidFill>
+                  <a:schemeClr val="tx1"/>
+                </a:solidFill>
+                <a:effectLst>
+                  <a:outerShdw blurRad="50800" dist="63500" dir="2700000" algn="tl" rotWithShape="0">
+                    <a:srgbClr val="000000">
+                      <a:alpha val="48000"/>
+                    </a:srgbClr>
+                  </a:outerShdw>
+                </a:effectLst>
+                <a:latin typeface="+mj-lt"/>
+                <a:ea typeface="+mj-ea"/>
+                <a:cs typeface="+mj-cs"/>
+              </a:defRPr>
+            </a:lvl1pPr>
+          </a:lstStyle>
+          <a:p>
+            <a:r>
+              <a:rPr lang="es-MX" sz="3600" dirty="0"/>
+              <a:t>Anexo 2: Next </a:t>
+            </a:r>
+            <a:r>
+              <a:rPr lang="es-MX" sz="3600" dirty="0" err="1"/>
+              <a:t>Steps</a:t>
+            </a:r>
+            <a:endParaRPr lang="es-ES" dirty="0"/>
+          </a:p>
+        </p:txBody>
+      </p:sp>
+    </p:spTree>
+    <p:extLst>
+      <p:ext uri="{BB962C8B-B14F-4D97-AF65-F5344CB8AC3E}">
+        <p14:creationId xmlns:p14="http://schemas.microsoft.com/office/powerpoint/2010/main" val="1448365851"/>
+      </p:ext>
+    </p:extLst>
+  </p:cSld>
+  <p:clrMapOvr>
+    <a:masterClrMapping/>
+  </p:clrMapOvr>
+</p:sld>
+</file>
+
 <file path=ppt/slides/slide2.xml><?xml version="1.0" encoding="utf-8"?>
 <p:sld xmlns:a="http://schemas.openxmlformats.org/drawingml/2006/main" xmlns:r="http://schemas.openxmlformats.org/officeDocument/2006/relationships" xmlns:p="http://schemas.openxmlformats.org/presentationml/2006/main">
   <p:cSld>
@@ -6022,7 +6404,7 @@
           <p:cNvPr id="2" name="Título 1">
             <a:extLst>
               <a:ext uri="{FF2B5EF4-FFF2-40B4-BE49-F238E27FC236}">
-                <a16:creationId xmlns:a16="http://schemas.microsoft.com/office/drawing/2014/main" id="{A6B10596-E0C0-4B62-8D47-7C2C8E55A437}"/>
+                <a16:creationId xmlns:a16="http://schemas.microsoft.com/office/drawing/2014/main" id="{21E00267-A4DA-40D4-9D2B-112033807960}"/>
               </a:ext>
             </a:extLst>
           </p:cNvPr>
@@ -6039,148 +6421,339 @@
           <a:lstStyle/>
           <a:p>
             <a:r>
-              <a:rPr lang="es-ES" dirty="0"/>
-              <a:t>Metodología</a:t>
-            </a:r>
-          </a:p>
-        </p:txBody>
-      </p:sp>
-      <p:sp>
-        <p:nvSpPr>
-          <p:cNvPr id="3" name="Marcador de contenido 2">
+              <a:rPr lang="es-MX" dirty="0" err="1"/>
+              <a:t>Kpi</a:t>
+            </a:r>
+            <a:r>
+              <a:rPr lang="es-MX" dirty="0"/>
+              <a:t> claves</a:t>
+            </a:r>
+            <a:endParaRPr lang="es-ES" dirty="0"/>
+          </a:p>
+        </p:txBody>
+      </p:sp>
+      <p:sp>
+        <p:nvSpPr>
+          <p:cNvPr id="4" name="Rectángulo: esquinas redondeadas 3">
             <a:extLst>
               <a:ext uri="{FF2B5EF4-FFF2-40B4-BE49-F238E27FC236}">
-                <a16:creationId xmlns:a16="http://schemas.microsoft.com/office/drawing/2014/main" id="{40E61EED-7BE8-4B3A-AA0C-0ADBAE1E5503}"/>
+                <a16:creationId xmlns:a16="http://schemas.microsoft.com/office/drawing/2014/main" id="{258A0AA1-2E47-4BE0-A3D7-4FC8179C6EE1}"/>
               </a:ext>
             </a:extLst>
           </p:cNvPr>
-          <p:cNvSpPr>
-            <a:spLocks noGrp="1"/>
-          </p:cNvSpPr>
-          <p:nvPr>
-            <p:ph idx="1"/>
-          </p:nvPr>
+          <p:cNvSpPr/>
+          <p:nvPr/>
         </p:nvSpPr>
         <p:spPr>
           <a:xfrm>
-            <a:off x="913795" y="1655797"/>
-            <a:ext cx="6731605" cy="4753470"/>
+            <a:off x="4031837" y="4219434"/>
+            <a:ext cx="2189346" cy="753534"/>
           </a:xfrm>
+          <a:prstGeom prst="roundRect">
+            <a:avLst/>
+          </a:prstGeom>
+          <a:solidFill>
+            <a:schemeClr val="accent3">
+              <a:lumMod val="75000"/>
+            </a:schemeClr>
+          </a:solidFill>
+          <a:ln>
+            <a:noFill/>
+          </a:ln>
         </p:spPr>
-        <p:txBody>
-          <a:bodyPr>
-            <a:normAutofit fontScale="92500"/>
-          </a:bodyPr>
-          <a:lstStyle/>
-          <a:p>
-            <a:pPr marL="0" indent="0">
-              <a:buNone/>
-            </a:pPr>
-            <a:r>
-              <a:rPr lang="es-MX" sz="1600" dirty="0"/>
-              <a:t>La base de datos esta compuesta de 9996 muestras.</a:t>
-            </a:r>
-          </a:p>
-          <a:p>
-            <a:pPr marL="0" indent="0">
-              <a:buNone/>
-            </a:pPr>
-            <a:r>
-              <a:rPr lang="es-MX" sz="1900" dirty="0"/>
-              <a:t>1.Limpieza de datos:</a:t>
-            </a:r>
-          </a:p>
-          <a:p>
-            <a:pPr marL="0" indent="0">
-              <a:buNone/>
-            </a:pPr>
-            <a:r>
-              <a:rPr lang="es-MX" sz="1600" u="sng" dirty="0"/>
-              <a:t>Eliminación</a:t>
-            </a:r>
-          </a:p>
-          <a:p>
-            <a:pPr lvl="1"/>
-            <a:r>
-              <a:rPr lang="es-MX" sz="1600" dirty="0"/>
-              <a:t>Columna “Country” ya que toda la muestra pertenece al mismo país.</a:t>
-            </a:r>
-          </a:p>
-          <a:p>
-            <a:pPr lvl="1"/>
-            <a:r>
-              <a:rPr lang="es-MX" sz="1600" dirty="0"/>
-              <a:t>Filas 1, 2 y 3406 por duplicados.</a:t>
-            </a:r>
-          </a:p>
-          <a:p>
-            <a:pPr marL="0" lvl="1" indent="0">
-              <a:spcBef>
-                <a:spcPts val="1000"/>
-              </a:spcBef>
-              <a:buNone/>
-            </a:pPr>
-            <a:r>
-              <a:rPr lang="es-MX" sz="1600" u="sng" dirty="0"/>
-              <a:t>Tratamiento de valores faltantes</a:t>
-            </a:r>
-          </a:p>
-          <a:p>
-            <a:pPr lvl="1"/>
-            <a:r>
-              <a:rPr lang="es-MX" sz="1600" dirty="0"/>
-              <a:t>Los espacios vacíos de “City” se rellenan en base al Código Postal</a:t>
-            </a:r>
-          </a:p>
-          <a:p>
-            <a:pPr lvl="1"/>
-            <a:r>
-              <a:rPr lang="es-MX" sz="1600" dirty="0"/>
-              <a:t>Rellenamos celdas con nombre vacío en base al “</a:t>
-            </a:r>
-            <a:r>
-              <a:rPr lang="es-MX" sz="1600" dirty="0" err="1"/>
-              <a:t>customer</a:t>
-            </a:r>
-            <a:r>
-              <a:rPr lang="es-MX" sz="1600" dirty="0"/>
-              <a:t> ID”</a:t>
-            </a:r>
-          </a:p>
-          <a:p>
-            <a:pPr marL="0" lvl="1" indent="0">
-              <a:spcBef>
-                <a:spcPts val="1000"/>
-              </a:spcBef>
-              <a:buNone/>
-            </a:pPr>
-            <a:r>
-              <a:rPr lang="es-MX" sz="1600" u="sng" dirty="0"/>
-              <a:t>Transformación de datos</a:t>
-            </a:r>
-          </a:p>
-          <a:p>
-            <a:pPr lvl="1"/>
-            <a:r>
-              <a:rPr lang="es-MX" sz="1600" dirty="0"/>
-              <a:t>Transformación a números la columna cantidad de la fila 17 a 22</a:t>
-            </a:r>
-          </a:p>
-          <a:p>
-            <a:pPr lvl="1"/>
-            <a:r>
-              <a:rPr lang="es-MX" sz="1600" dirty="0"/>
-              <a:t>Transformación a fecha columna “fecha” que se encontraban en numero</a:t>
-            </a:r>
+        <p:style>
+          <a:lnRef idx="2">
+            <a:schemeClr val="accent2">
+              <a:shade val="50000"/>
+            </a:schemeClr>
+          </a:lnRef>
+          <a:fillRef idx="1">
+            <a:schemeClr val="accent2"/>
+          </a:fillRef>
+          <a:effectRef idx="0">
+            <a:schemeClr val="accent2"/>
+          </a:effectRef>
+          <a:fontRef idx="minor">
+            <a:schemeClr val="lt1"/>
+          </a:fontRef>
+        </p:style>
+        <p:txBody>
+          <a:bodyPr rtlCol="0" anchor="ctr"/>
+          <a:lstStyle/>
+          <a:p>
+            <a:pPr algn="ctr"/>
+            <a:r>
+              <a:rPr lang="es-MX" sz="1400" b="1" dirty="0">
+                <a:latin typeface="+mj-lt"/>
+              </a:rPr>
+              <a:t>Costo de descuentos aplicados</a:t>
+            </a:r>
+            <a:endParaRPr lang="es-ES" sz="1400" b="1" dirty="0">
+              <a:latin typeface="+mj-lt"/>
+            </a:endParaRPr>
+          </a:p>
+        </p:txBody>
+      </p:sp>
+      <p:sp>
+        <p:nvSpPr>
+          <p:cNvPr id="5" name="Rectángulo: esquinas redondeadas 4">
+            <a:extLst>
+              <a:ext uri="{FF2B5EF4-FFF2-40B4-BE49-F238E27FC236}">
+                <a16:creationId xmlns:a16="http://schemas.microsoft.com/office/drawing/2014/main" id="{F7029509-EAFC-4B3D-BE20-4BCF46DB5BB3}"/>
+              </a:ext>
+            </a:extLst>
+          </p:cNvPr>
+          <p:cNvSpPr/>
+          <p:nvPr/>
+        </p:nvSpPr>
+        <p:spPr>
+          <a:xfrm>
+            <a:off x="1706364" y="1766493"/>
+            <a:ext cx="2189841" cy="753534"/>
+          </a:xfrm>
+          <a:prstGeom prst="roundRect">
+            <a:avLst/>
+          </a:prstGeom>
+          <a:solidFill>
+            <a:schemeClr val="accent3">
+              <a:lumMod val="75000"/>
+            </a:schemeClr>
+          </a:solidFill>
+          <a:ln>
+            <a:noFill/>
+          </a:ln>
+        </p:spPr>
+        <p:style>
+          <a:lnRef idx="2">
+            <a:schemeClr val="accent2">
+              <a:shade val="50000"/>
+            </a:schemeClr>
+          </a:lnRef>
+          <a:fillRef idx="1">
+            <a:schemeClr val="accent2"/>
+          </a:fillRef>
+          <a:effectRef idx="0">
+            <a:schemeClr val="accent2"/>
+          </a:effectRef>
+          <a:fontRef idx="minor">
+            <a:schemeClr val="lt1"/>
+          </a:fontRef>
+        </p:style>
+        <p:txBody>
+          <a:bodyPr rtlCol="0" anchor="ctr"/>
+          <a:lstStyle/>
+          <a:p>
+            <a:pPr algn="ctr"/>
+            <a:r>
+              <a:rPr lang="es-MX" sz="1400" b="1">
+                <a:latin typeface="+mj-lt"/>
+              </a:rPr>
+              <a:t>Profit</a:t>
+            </a:r>
+            <a:r>
+              <a:rPr lang="es-MX" sz="1400" b="1" dirty="0">
+                <a:latin typeface="+mj-lt"/>
+              </a:rPr>
+              <a:t> Neto</a:t>
+            </a:r>
+            <a:endParaRPr lang="es-ES" sz="1400" b="1" dirty="0">
+              <a:latin typeface="+mj-lt"/>
+            </a:endParaRPr>
+          </a:p>
+        </p:txBody>
+      </p:sp>
+      <p:sp>
+        <p:nvSpPr>
+          <p:cNvPr id="6" name="Rectángulo: esquinas redondeadas 5">
+            <a:extLst>
+              <a:ext uri="{FF2B5EF4-FFF2-40B4-BE49-F238E27FC236}">
+                <a16:creationId xmlns:a16="http://schemas.microsoft.com/office/drawing/2014/main" id="{9EA8266B-92A8-47B9-9454-3F74FA997A4C}"/>
+              </a:ext>
+            </a:extLst>
+          </p:cNvPr>
+          <p:cNvSpPr/>
+          <p:nvPr/>
+        </p:nvSpPr>
+        <p:spPr>
+          <a:xfrm>
+            <a:off x="1706611" y="3739877"/>
+            <a:ext cx="2189181" cy="753534"/>
+          </a:xfrm>
+          <a:prstGeom prst="roundRect">
+            <a:avLst/>
+          </a:prstGeom>
+          <a:solidFill>
+            <a:schemeClr val="accent3">
+              <a:lumMod val="75000"/>
+            </a:schemeClr>
+          </a:solidFill>
+          <a:ln>
+            <a:noFill/>
+          </a:ln>
+        </p:spPr>
+        <p:style>
+          <a:lnRef idx="2">
+            <a:schemeClr val="accent2">
+              <a:shade val="50000"/>
+            </a:schemeClr>
+          </a:lnRef>
+          <a:fillRef idx="1">
+            <a:schemeClr val="accent2"/>
+          </a:fillRef>
+          <a:effectRef idx="0">
+            <a:schemeClr val="accent2"/>
+          </a:effectRef>
+          <a:fontRef idx="minor">
+            <a:schemeClr val="lt1"/>
+          </a:fontRef>
+        </p:style>
+        <p:txBody>
+          <a:bodyPr rtlCol="0" anchor="ctr"/>
+          <a:lstStyle/>
+          <a:p>
+            <a:pPr algn="ctr"/>
+            <a:r>
+              <a:rPr lang="es-MX" sz="1400" b="1" dirty="0">
+                <a:latin typeface="+mj-lt"/>
+              </a:rPr>
+              <a:t>% de descuento aplicado a las ordenes</a:t>
+            </a:r>
+            <a:endParaRPr lang="es-ES" sz="1400" b="1" dirty="0">
+              <a:latin typeface="+mj-lt"/>
+            </a:endParaRPr>
+          </a:p>
+        </p:txBody>
+      </p:sp>
+      <p:sp>
+        <p:nvSpPr>
+          <p:cNvPr id="7" name="Rectángulo: esquinas redondeadas 6">
+            <a:extLst>
+              <a:ext uri="{FF2B5EF4-FFF2-40B4-BE49-F238E27FC236}">
+                <a16:creationId xmlns:a16="http://schemas.microsoft.com/office/drawing/2014/main" id="{933E509B-D5EC-4B83-8795-663977B2FAF5}"/>
+              </a:ext>
+            </a:extLst>
+          </p:cNvPr>
+          <p:cNvSpPr/>
+          <p:nvPr/>
+        </p:nvSpPr>
+        <p:spPr>
+          <a:xfrm>
+            <a:off x="4031837" y="3224510"/>
+            <a:ext cx="2189346" cy="753534"/>
+          </a:xfrm>
+          <a:prstGeom prst="roundRect">
+            <a:avLst/>
+          </a:prstGeom>
+          <a:solidFill>
+            <a:schemeClr val="accent3">
+              <a:lumMod val="75000"/>
+            </a:schemeClr>
+          </a:solidFill>
+          <a:ln>
+            <a:noFill/>
+          </a:ln>
+        </p:spPr>
+        <p:style>
+          <a:lnRef idx="2">
+            <a:schemeClr val="accent2">
+              <a:shade val="50000"/>
+            </a:schemeClr>
+          </a:lnRef>
+          <a:fillRef idx="1">
+            <a:schemeClr val="accent2"/>
+          </a:fillRef>
+          <a:effectRef idx="0">
+            <a:schemeClr val="accent2"/>
+          </a:effectRef>
+          <a:fontRef idx="minor">
+            <a:schemeClr val="lt1"/>
+          </a:fontRef>
+        </p:style>
+        <p:txBody>
+          <a:bodyPr rtlCol="0" anchor="ctr"/>
+          <a:lstStyle/>
+          <a:p>
+            <a:pPr algn="ctr"/>
+            <a:r>
+              <a:rPr lang="es-MX" sz="1400" b="1" dirty="0">
+                <a:latin typeface="+mj-lt"/>
+              </a:rPr>
+              <a:t>Ordenes con margen negativo</a:t>
+            </a:r>
+            <a:endParaRPr lang="es-ES" sz="1400" b="1" dirty="0">
+              <a:latin typeface="+mj-lt"/>
+            </a:endParaRPr>
+          </a:p>
+        </p:txBody>
+      </p:sp>
+      <p:sp>
+        <p:nvSpPr>
+          <p:cNvPr id="8" name="Rectángulo: esquinas redondeadas 7">
+            <a:extLst>
+              <a:ext uri="{FF2B5EF4-FFF2-40B4-BE49-F238E27FC236}">
+                <a16:creationId xmlns:a16="http://schemas.microsoft.com/office/drawing/2014/main" id="{11895258-38DC-4E9E-BDC5-B34F139CE59B}"/>
+              </a:ext>
+            </a:extLst>
+          </p:cNvPr>
+          <p:cNvSpPr/>
+          <p:nvPr/>
+        </p:nvSpPr>
+        <p:spPr>
+          <a:xfrm>
+            <a:off x="4031837" y="2229586"/>
+            <a:ext cx="2189346" cy="753534"/>
+          </a:xfrm>
+          <a:prstGeom prst="roundRect">
+            <a:avLst/>
+          </a:prstGeom>
+          <a:solidFill>
+            <a:schemeClr val="accent3">
+              <a:lumMod val="75000"/>
+            </a:schemeClr>
+          </a:solidFill>
+          <a:ln>
+            <a:noFill/>
+          </a:ln>
+        </p:spPr>
+        <p:style>
+          <a:lnRef idx="2">
+            <a:schemeClr val="accent2">
+              <a:shade val="50000"/>
+            </a:schemeClr>
+          </a:lnRef>
+          <a:fillRef idx="1">
+            <a:schemeClr val="accent2"/>
+          </a:fillRef>
+          <a:effectRef idx="0">
+            <a:schemeClr val="accent2"/>
+          </a:effectRef>
+          <a:fontRef idx="minor">
+            <a:schemeClr val="lt1"/>
+          </a:fontRef>
+        </p:style>
+        <p:txBody>
+          <a:bodyPr rtlCol="0" anchor="ctr"/>
+          <a:lstStyle/>
+          <a:p>
+            <a:pPr algn="ctr"/>
+            <a:r>
+              <a:rPr lang="es-MX" sz="1400" b="1" dirty="0">
+                <a:latin typeface="+mj-lt"/>
+              </a:rPr>
+              <a:t>Margen de ganancias</a:t>
+            </a:r>
+            <a:endParaRPr lang="es-ES" sz="1400" b="1" dirty="0">
+              <a:latin typeface="+mj-lt"/>
+            </a:endParaRPr>
           </a:p>
         </p:txBody>
       </p:sp>
       <p:pic>
         <p:nvPicPr>
-          <p:cNvPr id="1026" name="Picture 2" descr="Limpieza de datos - Iconos gratis de seguridad">
+          <p:cNvPr id="1026" name="Picture 2" descr="Imágenes de Kpis - Descarga gratuita en Freepik">
             <a:extLst>
               <a:ext uri="{FF2B5EF4-FFF2-40B4-BE49-F238E27FC236}">
-                <a16:creationId xmlns:a16="http://schemas.microsoft.com/office/drawing/2014/main" id="{B56C1CC9-C3A7-414F-B5C0-538F4903A851}"/>
+                <a16:creationId xmlns:a16="http://schemas.microsoft.com/office/drawing/2014/main" id="{DC0506CB-94E6-4A30-8813-04520DFCE081}"/>
               </a:ext>
             </a:extLst>
           </p:cNvPr>
@@ -6204,8 +6777,8 @@
         </p:blipFill>
         <p:spPr bwMode="auto">
           <a:xfrm>
-            <a:off x="7809711" y="1935921"/>
-            <a:ext cx="3293533" cy="3293533"/>
+            <a:off x="7102477" y="1935921"/>
+            <a:ext cx="3463925" cy="3463925"/>
           </a:xfrm>
           <a:prstGeom prst="rect">
             <a:avLst/>
@@ -6222,10 +6795,72 @@
           </a:extLst>
         </p:spPr>
       </p:pic>
+      <p:sp>
+        <p:nvSpPr>
+          <p:cNvPr id="10" name="Rectángulo: esquinas redondeadas 9">
+            <a:extLst>
+              <a:ext uri="{FF2B5EF4-FFF2-40B4-BE49-F238E27FC236}">
+                <a16:creationId xmlns:a16="http://schemas.microsoft.com/office/drawing/2014/main" id="{7A87884A-343C-420C-A049-ADA8F130CD2D}"/>
+              </a:ext>
+            </a:extLst>
+          </p:cNvPr>
+          <p:cNvSpPr/>
+          <p:nvPr/>
+        </p:nvSpPr>
+        <p:spPr>
+          <a:xfrm>
+            <a:off x="1706446" y="2753185"/>
+            <a:ext cx="2189346" cy="753534"/>
+          </a:xfrm>
+          <a:prstGeom prst="roundRect">
+            <a:avLst/>
+          </a:prstGeom>
+          <a:solidFill>
+            <a:schemeClr val="accent3">
+              <a:lumMod val="75000"/>
+            </a:schemeClr>
+          </a:solidFill>
+          <a:ln>
+            <a:noFill/>
+          </a:ln>
+        </p:spPr>
+        <p:style>
+          <a:lnRef idx="2">
+            <a:schemeClr val="accent2">
+              <a:shade val="50000"/>
+            </a:schemeClr>
+          </a:lnRef>
+          <a:fillRef idx="1">
+            <a:schemeClr val="accent2"/>
+          </a:fillRef>
+          <a:effectRef idx="0">
+            <a:schemeClr val="accent2"/>
+          </a:effectRef>
+          <a:fontRef idx="minor">
+            <a:schemeClr val="lt1"/>
+          </a:fontRef>
+        </p:style>
+        <p:txBody>
+          <a:bodyPr rtlCol="0" anchor="ctr"/>
+          <a:lstStyle/>
+          <a:p>
+            <a:pPr algn="ctr"/>
+            <a:r>
+              <a:rPr lang="es-MX" sz="1400" b="1" dirty="0">
+                <a:latin typeface="+mj-lt"/>
+              </a:rPr>
+              <a:t>Ordenes totales</a:t>
+            </a:r>
+            <a:endParaRPr lang="es-ES" sz="1400" b="1" dirty="0">
+              <a:latin typeface="+mj-lt"/>
+            </a:endParaRPr>
+          </a:p>
+        </p:txBody>
+      </p:sp>
     </p:spTree>
     <p:extLst>
       <p:ext uri="{BB962C8B-B14F-4D97-AF65-F5344CB8AC3E}">
-        <p14:creationId xmlns:p14="http://schemas.microsoft.com/office/powerpoint/2010/main" val="1728329683"/>
+        <p14:creationId xmlns:p14="http://schemas.microsoft.com/office/powerpoint/2010/main" val="1713675399"/>
       </p:ext>
     </p:extLst>
   </p:cSld>
@@ -6257,7 +6892,7 @@
           <p:cNvPr id="2" name="Título 1">
             <a:extLst>
               <a:ext uri="{FF2B5EF4-FFF2-40B4-BE49-F238E27FC236}">
-                <a16:creationId xmlns:a16="http://schemas.microsoft.com/office/drawing/2014/main" id="{21E00267-A4DA-40D4-9D2B-112033807960}"/>
+                <a16:creationId xmlns:a16="http://schemas.microsoft.com/office/drawing/2014/main" id="{58413D3F-D0A5-4C14-A784-0DE0E4B68DB2}"/>
               </a:ext>
             </a:extLst>
           </p:cNvPr>
@@ -6268,11 +6903,516 @@
             <p:ph type="title"/>
           </p:nvPr>
         </p:nvSpPr>
+        <p:spPr>
+          <a:xfrm>
+            <a:off x="924445" y="307383"/>
+            <a:ext cx="10353761" cy="1326321"/>
+          </a:xfrm>
+        </p:spPr>
+        <p:txBody>
+          <a:bodyPr/>
+          <a:lstStyle/>
+          <a:p>
+            <a:r>
+              <a:rPr lang="es-MX" dirty="0"/>
+              <a:t>Dashboard</a:t>
+            </a:r>
+            <a:endParaRPr lang="es-ES" dirty="0"/>
+          </a:p>
+        </p:txBody>
+      </p:sp>
+      <p:pic>
+        <p:nvPicPr>
+          <p:cNvPr id="8" name="Imagen 7">
+            <a:extLst>
+              <a:ext uri="{FF2B5EF4-FFF2-40B4-BE49-F238E27FC236}">
+                <a16:creationId xmlns:a16="http://schemas.microsoft.com/office/drawing/2014/main" id="{D203C89D-18C7-4D44-81F6-E02466ADD0B9}"/>
+              </a:ext>
+            </a:extLst>
+          </p:cNvPr>
+          <p:cNvPicPr>
+            <a:picLocks noChangeAspect="1"/>
+          </p:cNvPicPr>
+          <p:nvPr/>
+        </p:nvPicPr>
+        <p:blipFill>
+          <a:blip r:embed="rId2"/>
+          <a:stretch>
+            <a:fillRect/>
+          </a:stretch>
+        </p:blipFill>
+        <p:spPr>
+          <a:xfrm>
+            <a:off x="762000" y="1372177"/>
+            <a:ext cx="10668000" cy="5178440"/>
+          </a:xfrm>
+          <a:prstGeom prst="roundRect">
+            <a:avLst/>
+          </a:prstGeom>
+        </p:spPr>
+      </p:pic>
+    </p:spTree>
+    <p:extLst>
+      <p:ext uri="{BB962C8B-B14F-4D97-AF65-F5344CB8AC3E}">
+        <p14:creationId xmlns:p14="http://schemas.microsoft.com/office/powerpoint/2010/main" val="1540610832"/>
+      </p:ext>
+    </p:extLst>
+  </p:cSld>
+  <p:clrMapOvr>
+    <a:masterClrMapping/>
+  </p:clrMapOvr>
+</p:sld>
+</file>
+
+<file path=ppt/slides/slide6.xml><?xml version="1.0" encoding="utf-8"?>
+<p:sld xmlns:a="http://schemas.openxmlformats.org/drawingml/2006/main" xmlns:r="http://schemas.openxmlformats.org/officeDocument/2006/relationships" xmlns:p="http://schemas.openxmlformats.org/presentationml/2006/main">
+  <p:cSld>
+    <p:spTree>
+      <p:nvGrpSpPr>
+        <p:cNvPr id="1" name=""/>
+        <p:cNvGrpSpPr/>
+        <p:nvPr/>
+      </p:nvGrpSpPr>
+      <p:grpSpPr>
+        <a:xfrm>
+          <a:off x="0" y="0"/>
+          <a:ext cx="0" cy="0"/>
+          <a:chOff x="0" y="0"/>
+          <a:chExt cx="0" cy="0"/>
+        </a:xfrm>
+      </p:grpSpPr>
+      <p:sp>
+        <p:nvSpPr>
+          <p:cNvPr id="2" name="Título 1">
+            <a:extLst>
+              <a:ext uri="{FF2B5EF4-FFF2-40B4-BE49-F238E27FC236}">
+                <a16:creationId xmlns:a16="http://schemas.microsoft.com/office/drawing/2014/main" id="{CDDB7B0C-CD69-455B-A703-BD9C2A2C330A}"/>
+              </a:ext>
+            </a:extLst>
+          </p:cNvPr>
+          <p:cNvSpPr>
+            <a:spLocks noGrp="1"/>
+          </p:cNvSpPr>
+          <p:nvPr>
+            <p:ph type="title"/>
+          </p:nvPr>
+        </p:nvSpPr>
         <p:spPr/>
         <p:txBody>
           <a:bodyPr/>
           <a:lstStyle/>
           <a:p>
+            <a:r>
+              <a:rPr lang="es-MX" dirty="0"/>
+              <a:t>Conclusiones</a:t>
+            </a:r>
+            <a:endParaRPr lang="es-ES" dirty="0"/>
+          </a:p>
+        </p:txBody>
+      </p:sp>
+      <p:sp>
+        <p:nvSpPr>
+          <p:cNvPr id="5" name="Marcador de contenido 2">
+            <a:extLst>
+              <a:ext uri="{FF2B5EF4-FFF2-40B4-BE49-F238E27FC236}">
+                <a16:creationId xmlns:a16="http://schemas.microsoft.com/office/drawing/2014/main" id="{78625DF7-5B6E-480C-A815-01CC8238C443}"/>
+              </a:ext>
+            </a:extLst>
+          </p:cNvPr>
+          <p:cNvSpPr txBox="1">
+            <a:spLocks/>
+          </p:cNvSpPr>
+          <p:nvPr/>
+        </p:nvSpPr>
+        <p:spPr>
+          <a:xfrm>
+            <a:off x="798403" y="1935921"/>
+            <a:ext cx="5292272" cy="3695136"/>
+          </a:xfrm>
+          <a:prstGeom prst="rect">
+            <a:avLst/>
+          </a:prstGeom>
+        </p:spPr>
+        <p:txBody>
+          <a:bodyPr>
+            <a:normAutofit/>
+          </a:bodyPr>
+          <a:lstStyle>
+            <a:lvl1pPr marL="228600" indent="-228600" algn="l" defTabSz="914400" rtl="0" eaLnBrk="1" latinLnBrk="0" hangingPunct="1">
+              <a:lnSpc>
+                <a:spcPct val="120000"/>
+              </a:lnSpc>
+              <a:spcBef>
+                <a:spcPts val="1000"/>
+              </a:spcBef>
+              <a:buFont typeface="Arial" panose="020B0604020202020204" pitchFamily="34" charset="0"/>
+              <a:buChar char="•"/>
+              <a:defRPr sz="2000" kern="1200">
+                <a:solidFill>
+                  <a:schemeClr val="tx1"/>
+                </a:solidFill>
+                <a:effectLst>
+                  <a:outerShdw blurRad="50800" dist="38100" dir="2700000" algn="tl" rotWithShape="0">
+                    <a:srgbClr val="000000">
+                      <a:alpha val="48000"/>
+                    </a:srgbClr>
+                  </a:outerShdw>
+                </a:effectLst>
+                <a:latin typeface="+mn-lt"/>
+                <a:ea typeface="+mn-ea"/>
+                <a:cs typeface="+mn-cs"/>
+              </a:defRPr>
+            </a:lvl1pPr>
+            <a:lvl2pPr marL="685800" indent="-228600" algn="l" defTabSz="914400" rtl="0" eaLnBrk="1" latinLnBrk="0" hangingPunct="1">
+              <a:lnSpc>
+                <a:spcPct val="120000"/>
+              </a:lnSpc>
+              <a:spcBef>
+                <a:spcPts val="500"/>
+              </a:spcBef>
+              <a:buFont typeface="Arial" panose="020B0604020202020204" pitchFamily="34" charset="0"/>
+              <a:buChar char="•"/>
+              <a:defRPr sz="1800" kern="1200">
+                <a:solidFill>
+                  <a:schemeClr val="tx1"/>
+                </a:solidFill>
+                <a:effectLst>
+                  <a:outerShdw blurRad="50800" dist="38100" dir="2700000" algn="tl" rotWithShape="0">
+                    <a:srgbClr val="000000">
+                      <a:alpha val="48000"/>
+                    </a:srgbClr>
+                  </a:outerShdw>
+                </a:effectLst>
+                <a:latin typeface="+mn-lt"/>
+                <a:ea typeface="+mn-ea"/>
+                <a:cs typeface="+mn-cs"/>
+              </a:defRPr>
+            </a:lvl2pPr>
+            <a:lvl3pPr marL="1143000" indent="-228600" algn="l" defTabSz="914400" rtl="0" eaLnBrk="1" latinLnBrk="0" hangingPunct="1">
+              <a:lnSpc>
+                <a:spcPct val="120000"/>
+              </a:lnSpc>
+              <a:spcBef>
+                <a:spcPts val="500"/>
+              </a:spcBef>
+              <a:buFont typeface="Arial" panose="020B0604020202020204" pitchFamily="34" charset="0"/>
+              <a:buChar char="•"/>
+              <a:defRPr sz="1600" kern="1200">
+                <a:solidFill>
+                  <a:schemeClr val="tx1"/>
+                </a:solidFill>
+                <a:effectLst>
+                  <a:outerShdw blurRad="50800" dist="38100" dir="2700000" algn="tl" rotWithShape="0">
+                    <a:srgbClr val="000000">
+                      <a:alpha val="48000"/>
+                    </a:srgbClr>
+                  </a:outerShdw>
+                </a:effectLst>
+                <a:latin typeface="+mn-lt"/>
+                <a:ea typeface="+mn-ea"/>
+                <a:cs typeface="+mn-cs"/>
+              </a:defRPr>
+            </a:lvl3pPr>
+            <a:lvl4pPr marL="1600200" indent="-228600" algn="l" defTabSz="914400" rtl="0" eaLnBrk="1" latinLnBrk="0" hangingPunct="1">
+              <a:lnSpc>
+                <a:spcPct val="120000"/>
+              </a:lnSpc>
+              <a:spcBef>
+                <a:spcPts val="500"/>
+              </a:spcBef>
+              <a:buFont typeface="Arial" panose="020B0604020202020204" pitchFamily="34" charset="0"/>
+              <a:buChar char="•"/>
+              <a:defRPr sz="1400" kern="1200">
+                <a:solidFill>
+                  <a:schemeClr val="tx1"/>
+                </a:solidFill>
+                <a:effectLst>
+                  <a:outerShdw blurRad="50800" dist="38100" dir="2700000" algn="tl" rotWithShape="0">
+                    <a:srgbClr val="000000">
+                      <a:alpha val="48000"/>
+                    </a:srgbClr>
+                  </a:outerShdw>
+                </a:effectLst>
+                <a:latin typeface="+mn-lt"/>
+                <a:ea typeface="+mn-ea"/>
+                <a:cs typeface="+mn-cs"/>
+              </a:defRPr>
+            </a:lvl4pPr>
+            <a:lvl5pPr marL="2057400" indent="-228600" algn="l" defTabSz="914400" rtl="0" eaLnBrk="1" latinLnBrk="0" hangingPunct="1">
+              <a:lnSpc>
+                <a:spcPct val="120000"/>
+              </a:lnSpc>
+              <a:spcBef>
+                <a:spcPts val="500"/>
+              </a:spcBef>
+              <a:buFont typeface="Arial" panose="020B0604020202020204" pitchFamily="34" charset="0"/>
+              <a:buChar char="•"/>
+              <a:defRPr sz="1200" kern="1200">
+                <a:solidFill>
+                  <a:schemeClr val="tx1"/>
+                </a:solidFill>
+                <a:effectLst>
+                  <a:outerShdw blurRad="50800" dist="38100" dir="2700000" algn="tl" rotWithShape="0">
+                    <a:srgbClr val="000000">
+                      <a:alpha val="48000"/>
+                    </a:srgbClr>
+                  </a:outerShdw>
+                </a:effectLst>
+                <a:latin typeface="+mn-lt"/>
+                <a:ea typeface="+mn-ea"/>
+                <a:cs typeface="+mn-cs"/>
+              </a:defRPr>
+            </a:lvl5pPr>
+            <a:lvl6pPr marL="2514600" indent="-228600" algn="l" defTabSz="914400" rtl="0" eaLnBrk="1" latinLnBrk="0" hangingPunct="1">
+              <a:lnSpc>
+                <a:spcPct val="120000"/>
+              </a:lnSpc>
+              <a:spcBef>
+                <a:spcPts val="500"/>
+              </a:spcBef>
+              <a:buFont typeface="Arial" panose="020B0604020202020204" pitchFamily="34" charset="0"/>
+              <a:buChar char="•"/>
+              <a:defRPr sz="1200" kern="1200">
+                <a:solidFill>
+                  <a:schemeClr val="tx1"/>
+                </a:solidFill>
+                <a:effectLst>
+                  <a:outerShdw blurRad="50800" dist="38100" dir="2700000" algn="tl" rotWithShape="0">
+                    <a:srgbClr val="000000">
+                      <a:alpha val="48000"/>
+                    </a:srgbClr>
+                  </a:outerShdw>
+                </a:effectLst>
+                <a:latin typeface="+mn-lt"/>
+                <a:ea typeface="+mn-ea"/>
+                <a:cs typeface="+mn-cs"/>
+              </a:defRPr>
+            </a:lvl6pPr>
+            <a:lvl7pPr marL="2971800" indent="-228600" algn="l" defTabSz="914400" rtl="0" eaLnBrk="1" latinLnBrk="0" hangingPunct="1">
+              <a:lnSpc>
+                <a:spcPct val="120000"/>
+              </a:lnSpc>
+              <a:spcBef>
+                <a:spcPts val="500"/>
+              </a:spcBef>
+              <a:buFont typeface="Arial" panose="020B0604020202020204" pitchFamily="34" charset="0"/>
+              <a:buChar char="•"/>
+              <a:defRPr sz="1200" kern="1200">
+                <a:solidFill>
+                  <a:schemeClr val="tx1"/>
+                </a:solidFill>
+                <a:effectLst>
+                  <a:outerShdw blurRad="50800" dist="38100" dir="2700000" algn="tl" rotWithShape="0">
+                    <a:srgbClr val="000000">
+                      <a:alpha val="48000"/>
+                    </a:srgbClr>
+                  </a:outerShdw>
+                </a:effectLst>
+                <a:latin typeface="+mn-lt"/>
+                <a:ea typeface="+mn-ea"/>
+                <a:cs typeface="+mn-cs"/>
+              </a:defRPr>
+            </a:lvl7pPr>
+            <a:lvl8pPr marL="3429000" indent="-228600" algn="l" defTabSz="914400" rtl="0" eaLnBrk="1" latinLnBrk="0" hangingPunct="1">
+              <a:lnSpc>
+                <a:spcPct val="120000"/>
+              </a:lnSpc>
+              <a:spcBef>
+                <a:spcPts val="500"/>
+              </a:spcBef>
+              <a:buFont typeface="Arial" panose="020B0604020202020204" pitchFamily="34" charset="0"/>
+              <a:buChar char="•"/>
+              <a:defRPr sz="1200" kern="1200">
+                <a:solidFill>
+                  <a:schemeClr val="tx1"/>
+                </a:solidFill>
+                <a:effectLst>
+                  <a:outerShdw blurRad="50800" dist="38100" dir="2700000" algn="tl" rotWithShape="0">
+                    <a:srgbClr val="000000">
+                      <a:alpha val="48000"/>
+                    </a:srgbClr>
+                  </a:outerShdw>
+                </a:effectLst>
+                <a:latin typeface="+mn-lt"/>
+                <a:ea typeface="+mn-ea"/>
+                <a:cs typeface="+mn-cs"/>
+              </a:defRPr>
+            </a:lvl8pPr>
+            <a:lvl9pPr marL="3886200" indent="-228600" algn="l" defTabSz="914400" rtl="0" eaLnBrk="1" latinLnBrk="0" hangingPunct="1">
+              <a:lnSpc>
+                <a:spcPct val="120000"/>
+              </a:lnSpc>
+              <a:spcBef>
+                <a:spcPts val="500"/>
+              </a:spcBef>
+              <a:buFont typeface="Arial" panose="020B0604020202020204" pitchFamily="34" charset="0"/>
+              <a:buChar char="•"/>
+              <a:defRPr sz="1200" kern="1200">
+                <a:solidFill>
+                  <a:schemeClr val="tx1"/>
+                </a:solidFill>
+                <a:effectLst>
+                  <a:outerShdw blurRad="50800" dist="38100" dir="2700000" algn="tl" rotWithShape="0">
+                    <a:srgbClr val="000000">
+                      <a:alpha val="48000"/>
+                    </a:srgbClr>
+                  </a:outerShdw>
+                </a:effectLst>
+                <a:latin typeface="+mn-lt"/>
+                <a:ea typeface="+mn-ea"/>
+                <a:cs typeface="+mn-cs"/>
+              </a:defRPr>
+            </a:lvl9pPr>
+          </a:lstStyle>
+          <a:p>
+            <a:pPr>
+              <a:buFontTx/>
+              <a:buChar char="-"/>
+            </a:pPr>
+            <a:r>
+              <a:rPr lang="es-ES" dirty="0"/>
+              <a:t>La mayor incidencia sobre los márgenes de ganancia negativos es por la aplicación de descuentos excesivos.</a:t>
+            </a:r>
+          </a:p>
+          <a:p>
+            <a:pPr>
+              <a:buFontTx/>
+              <a:buChar char="-"/>
+            </a:pPr>
+            <a:r>
+              <a:rPr lang="es-ES" dirty="0"/>
+              <a:t>En el transcurso del tiempo, en los 10 peores estados se fueron incrementando las perdidas.</a:t>
+            </a:r>
+          </a:p>
+          <a:p>
+            <a:pPr>
+              <a:buFontTx/>
+              <a:buChar char="-"/>
+            </a:pPr>
+            <a:r>
+              <a:rPr lang="es-ES" dirty="0"/>
+              <a:t>3 productos (</a:t>
+            </a:r>
+            <a:r>
+              <a:rPr lang="es-ES" dirty="0" err="1"/>
+              <a:t>binders</a:t>
+            </a:r>
+            <a:r>
+              <a:rPr lang="es-ES" dirty="0"/>
+              <a:t>, machines, tables) tienen la mayores perdidas en estos estados.</a:t>
+            </a:r>
+          </a:p>
+          <a:p>
+            <a:pPr>
+              <a:buFontTx/>
+              <a:buChar char="-"/>
+            </a:pPr>
+            <a:endParaRPr lang="es-ES" dirty="0"/>
+          </a:p>
+        </p:txBody>
+      </p:sp>
+      <p:pic>
+        <p:nvPicPr>
+          <p:cNvPr id="2050" name="Picture 2" descr="Vectores e ilustraciones de Conclusiones para descargar gratis | Freepik">
+            <a:extLst>
+              <a:ext uri="{FF2B5EF4-FFF2-40B4-BE49-F238E27FC236}">
+                <a16:creationId xmlns:a16="http://schemas.microsoft.com/office/drawing/2014/main" id="{065F7470-EC5A-4C70-822C-8BE12045904B}"/>
+              </a:ext>
+            </a:extLst>
+          </p:cNvPr>
+          <p:cNvPicPr>
+            <a:picLocks noChangeAspect="1" noChangeArrowheads="1"/>
+          </p:cNvPicPr>
+          <p:nvPr/>
+        </p:nvPicPr>
+        <p:blipFill>
+          <a:blip r:embed="rId2">
+            <a:extLst>
+              <a:ext uri="{28A0092B-C50C-407E-A947-70E740481C1C}">
+                <a14:useLocalDpi xmlns:a14="http://schemas.microsoft.com/office/drawing/2010/main" val="0"/>
+              </a:ext>
+            </a:extLst>
+          </a:blip>
+          <a:srcRect/>
+          <a:stretch>
+            <a:fillRect/>
+          </a:stretch>
+        </p:blipFill>
+        <p:spPr bwMode="auto">
+          <a:xfrm>
+            <a:off x="7078132" y="1935921"/>
+            <a:ext cx="3565525" cy="3565525"/>
+          </a:xfrm>
+          <a:prstGeom prst="rect">
+            <a:avLst/>
+          </a:prstGeom>
+          <a:noFill/>
+          <a:extLst>
+            <a:ext uri="{909E8E84-426E-40DD-AFC4-6F175D3DCCD1}">
+              <a14:hiddenFill xmlns:a14="http://schemas.microsoft.com/office/drawing/2010/main">
+                <a:solidFill>
+                  <a:srgbClr val="FFFFFF"/>
+                </a:solidFill>
+              </a14:hiddenFill>
+            </a:ext>
+          </a:extLst>
+        </p:spPr>
+      </p:pic>
+    </p:spTree>
+    <p:extLst>
+      <p:ext uri="{BB962C8B-B14F-4D97-AF65-F5344CB8AC3E}">
+        <p14:creationId xmlns:p14="http://schemas.microsoft.com/office/powerpoint/2010/main" val="2345543826"/>
+      </p:ext>
+    </p:extLst>
+  </p:cSld>
+  <p:clrMapOvr>
+    <a:masterClrMapping/>
+  </p:clrMapOvr>
+</p:sld>
+</file>
+
+<file path=ppt/slides/slide7.xml><?xml version="1.0" encoding="utf-8"?>
+<p:sld xmlns:a="http://schemas.openxmlformats.org/drawingml/2006/main" xmlns:r="http://schemas.openxmlformats.org/officeDocument/2006/relationships" xmlns:p="http://schemas.openxmlformats.org/presentationml/2006/main">
+  <p:cSld>
+    <p:spTree>
+      <p:nvGrpSpPr>
+        <p:cNvPr id="1" name=""/>
+        <p:cNvGrpSpPr/>
+        <p:nvPr/>
+      </p:nvGrpSpPr>
+      <p:grpSpPr>
+        <a:xfrm>
+          <a:off x="0" y="0"/>
+          <a:ext cx="0" cy="0"/>
+          <a:chOff x="0" y="0"/>
+          <a:chExt cx="0" cy="0"/>
+        </a:xfrm>
+      </p:grpSpPr>
+      <p:sp>
+        <p:nvSpPr>
+          <p:cNvPr id="2" name="Título 1">
+            <a:extLst>
+              <a:ext uri="{FF2B5EF4-FFF2-40B4-BE49-F238E27FC236}">
+                <a16:creationId xmlns:a16="http://schemas.microsoft.com/office/drawing/2014/main" id="{89A92B10-5386-4571-BF14-7B2D5BC66C4F}"/>
+              </a:ext>
+            </a:extLst>
+          </p:cNvPr>
+          <p:cNvSpPr>
+            <a:spLocks noGrp="1"/>
+          </p:cNvSpPr>
+          <p:nvPr>
+            <p:ph type="title"/>
+          </p:nvPr>
+        </p:nvSpPr>
+        <p:spPr/>
+        <p:txBody>
+          <a:bodyPr/>
+          <a:lstStyle/>
+          <a:p>
+            <a:r>
+              <a:rPr lang="es-MX" dirty="0"/>
+              <a:t>recomendaciones</a:t>
+            </a:r>
             <a:endParaRPr lang="es-ES" dirty="0"/>
           </a:p>
         </p:txBody>
@@ -6282,30 +7422,972 @@
           <p:cNvPr id="3" name="Marcador de contenido 2">
             <a:extLst>
               <a:ext uri="{FF2B5EF4-FFF2-40B4-BE49-F238E27FC236}">
-                <a16:creationId xmlns:a16="http://schemas.microsoft.com/office/drawing/2014/main" id="{8B04AD9F-A76E-404D-97D0-DCF251E3D7AF}"/>
+                <a16:creationId xmlns:a16="http://schemas.microsoft.com/office/drawing/2014/main" id="{8B87E70D-9376-4B4A-9354-7D31E3DDC1C4}"/>
               </a:ext>
             </a:extLst>
           </p:cNvPr>
-          <p:cNvSpPr>
-            <a:spLocks noGrp="1"/>
-          </p:cNvSpPr>
-          <p:nvPr>
-            <p:ph idx="1"/>
-          </p:nvPr>
-        </p:nvSpPr>
-        <p:spPr/>
-        <p:txBody>
-          <a:bodyPr/>
-          <a:lstStyle/>
-          <a:p>
-            <a:endParaRPr lang="es-ES"/>
-          </a:p>
-        </p:txBody>
-      </p:sp>
+          <p:cNvSpPr txBox="1">
+            <a:spLocks/>
+          </p:cNvSpPr>
+          <p:nvPr/>
+        </p:nvSpPr>
+        <p:spPr>
+          <a:xfrm>
+            <a:off x="6010232" y="2766736"/>
+            <a:ext cx="4590035" cy="3695136"/>
+          </a:xfrm>
+          <a:prstGeom prst="rect">
+            <a:avLst/>
+          </a:prstGeom>
+        </p:spPr>
+        <p:txBody>
+          <a:bodyPr>
+            <a:normAutofit/>
+          </a:bodyPr>
+          <a:lstStyle>
+            <a:lvl1pPr marL="228600" indent="-228600" algn="l" defTabSz="914400" rtl="0" eaLnBrk="1" latinLnBrk="0" hangingPunct="1">
+              <a:lnSpc>
+                <a:spcPct val="120000"/>
+              </a:lnSpc>
+              <a:spcBef>
+                <a:spcPts val="1000"/>
+              </a:spcBef>
+              <a:buFont typeface="Arial" panose="020B0604020202020204" pitchFamily="34" charset="0"/>
+              <a:buChar char="•"/>
+              <a:defRPr sz="2000" kern="1200">
+                <a:solidFill>
+                  <a:schemeClr val="tx1"/>
+                </a:solidFill>
+                <a:effectLst>
+                  <a:outerShdw blurRad="50800" dist="38100" dir="2700000" algn="tl" rotWithShape="0">
+                    <a:srgbClr val="000000">
+                      <a:alpha val="48000"/>
+                    </a:srgbClr>
+                  </a:outerShdw>
+                </a:effectLst>
+                <a:latin typeface="+mn-lt"/>
+                <a:ea typeface="+mn-ea"/>
+                <a:cs typeface="+mn-cs"/>
+              </a:defRPr>
+            </a:lvl1pPr>
+            <a:lvl2pPr marL="685800" indent="-228600" algn="l" defTabSz="914400" rtl="0" eaLnBrk="1" latinLnBrk="0" hangingPunct="1">
+              <a:lnSpc>
+                <a:spcPct val="120000"/>
+              </a:lnSpc>
+              <a:spcBef>
+                <a:spcPts val="500"/>
+              </a:spcBef>
+              <a:buFont typeface="Arial" panose="020B0604020202020204" pitchFamily="34" charset="0"/>
+              <a:buChar char="•"/>
+              <a:defRPr sz="1800" kern="1200">
+                <a:solidFill>
+                  <a:schemeClr val="tx1"/>
+                </a:solidFill>
+                <a:effectLst>
+                  <a:outerShdw blurRad="50800" dist="38100" dir="2700000" algn="tl" rotWithShape="0">
+                    <a:srgbClr val="000000">
+                      <a:alpha val="48000"/>
+                    </a:srgbClr>
+                  </a:outerShdw>
+                </a:effectLst>
+                <a:latin typeface="+mn-lt"/>
+                <a:ea typeface="+mn-ea"/>
+                <a:cs typeface="+mn-cs"/>
+              </a:defRPr>
+            </a:lvl2pPr>
+            <a:lvl3pPr marL="1143000" indent="-228600" algn="l" defTabSz="914400" rtl="0" eaLnBrk="1" latinLnBrk="0" hangingPunct="1">
+              <a:lnSpc>
+                <a:spcPct val="120000"/>
+              </a:lnSpc>
+              <a:spcBef>
+                <a:spcPts val="500"/>
+              </a:spcBef>
+              <a:buFont typeface="Arial" panose="020B0604020202020204" pitchFamily="34" charset="0"/>
+              <a:buChar char="•"/>
+              <a:defRPr sz="1600" kern="1200">
+                <a:solidFill>
+                  <a:schemeClr val="tx1"/>
+                </a:solidFill>
+                <a:effectLst>
+                  <a:outerShdw blurRad="50800" dist="38100" dir="2700000" algn="tl" rotWithShape="0">
+                    <a:srgbClr val="000000">
+                      <a:alpha val="48000"/>
+                    </a:srgbClr>
+                  </a:outerShdw>
+                </a:effectLst>
+                <a:latin typeface="+mn-lt"/>
+                <a:ea typeface="+mn-ea"/>
+                <a:cs typeface="+mn-cs"/>
+              </a:defRPr>
+            </a:lvl3pPr>
+            <a:lvl4pPr marL="1600200" indent="-228600" algn="l" defTabSz="914400" rtl="0" eaLnBrk="1" latinLnBrk="0" hangingPunct="1">
+              <a:lnSpc>
+                <a:spcPct val="120000"/>
+              </a:lnSpc>
+              <a:spcBef>
+                <a:spcPts val="500"/>
+              </a:spcBef>
+              <a:buFont typeface="Arial" panose="020B0604020202020204" pitchFamily="34" charset="0"/>
+              <a:buChar char="•"/>
+              <a:defRPr sz="1400" kern="1200">
+                <a:solidFill>
+                  <a:schemeClr val="tx1"/>
+                </a:solidFill>
+                <a:effectLst>
+                  <a:outerShdw blurRad="50800" dist="38100" dir="2700000" algn="tl" rotWithShape="0">
+                    <a:srgbClr val="000000">
+                      <a:alpha val="48000"/>
+                    </a:srgbClr>
+                  </a:outerShdw>
+                </a:effectLst>
+                <a:latin typeface="+mn-lt"/>
+                <a:ea typeface="+mn-ea"/>
+                <a:cs typeface="+mn-cs"/>
+              </a:defRPr>
+            </a:lvl4pPr>
+            <a:lvl5pPr marL="2057400" indent="-228600" algn="l" defTabSz="914400" rtl="0" eaLnBrk="1" latinLnBrk="0" hangingPunct="1">
+              <a:lnSpc>
+                <a:spcPct val="120000"/>
+              </a:lnSpc>
+              <a:spcBef>
+                <a:spcPts val="500"/>
+              </a:spcBef>
+              <a:buFont typeface="Arial" panose="020B0604020202020204" pitchFamily="34" charset="0"/>
+              <a:buChar char="•"/>
+              <a:defRPr sz="1200" kern="1200">
+                <a:solidFill>
+                  <a:schemeClr val="tx1"/>
+                </a:solidFill>
+                <a:effectLst>
+                  <a:outerShdw blurRad="50800" dist="38100" dir="2700000" algn="tl" rotWithShape="0">
+                    <a:srgbClr val="000000">
+                      <a:alpha val="48000"/>
+                    </a:srgbClr>
+                  </a:outerShdw>
+                </a:effectLst>
+                <a:latin typeface="+mn-lt"/>
+                <a:ea typeface="+mn-ea"/>
+                <a:cs typeface="+mn-cs"/>
+              </a:defRPr>
+            </a:lvl5pPr>
+            <a:lvl6pPr marL="2514600" indent="-228600" algn="l" defTabSz="914400" rtl="0" eaLnBrk="1" latinLnBrk="0" hangingPunct="1">
+              <a:lnSpc>
+                <a:spcPct val="120000"/>
+              </a:lnSpc>
+              <a:spcBef>
+                <a:spcPts val="500"/>
+              </a:spcBef>
+              <a:buFont typeface="Arial" panose="020B0604020202020204" pitchFamily="34" charset="0"/>
+              <a:buChar char="•"/>
+              <a:defRPr sz="1200" kern="1200">
+                <a:solidFill>
+                  <a:schemeClr val="tx1"/>
+                </a:solidFill>
+                <a:effectLst>
+                  <a:outerShdw blurRad="50800" dist="38100" dir="2700000" algn="tl" rotWithShape="0">
+                    <a:srgbClr val="000000">
+                      <a:alpha val="48000"/>
+                    </a:srgbClr>
+                  </a:outerShdw>
+                </a:effectLst>
+                <a:latin typeface="+mn-lt"/>
+                <a:ea typeface="+mn-ea"/>
+                <a:cs typeface="+mn-cs"/>
+              </a:defRPr>
+            </a:lvl6pPr>
+            <a:lvl7pPr marL="2971800" indent="-228600" algn="l" defTabSz="914400" rtl="0" eaLnBrk="1" latinLnBrk="0" hangingPunct="1">
+              <a:lnSpc>
+                <a:spcPct val="120000"/>
+              </a:lnSpc>
+              <a:spcBef>
+                <a:spcPts val="500"/>
+              </a:spcBef>
+              <a:buFont typeface="Arial" panose="020B0604020202020204" pitchFamily="34" charset="0"/>
+              <a:buChar char="•"/>
+              <a:defRPr sz="1200" kern="1200">
+                <a:solidFill>
+                  <a:schemeClr val="tx1"/>
+                </a:solidFill>
+                <a:effectLst>
+                  <a:outerShdw blurRad="50800" dist="38100" dir="2700000" algn="tl" rotWithShape="0">
+                    <a:srgbClr val="000000">
+                      <a:alpha val="48000"/>
+                    </a:srgbClr>
+                  </a:outerShdw>
+                </a:effectLst>
+                <a:latin typeface="+mn-lt"/>
+                <a:ea typeface="+mn-ea"/>
+                <a:cs typeface="+mn-cs"/>
+              </a:defRPr>
+            </a:lvl7pPr>
+            <a:lvl8pPr marL="3429000" indent="-228600" algn="l" defTabSz="914400" rtl="0" eaLnBrk="1" latinLnBrk="0" hangingPunct="1">
+              <a:lnSpc>
+                <a:spcPct val="120000"/>
+              </a:lnSpc>
+              <a:spcBef>
+                <a:spcPts val="500"/>
+              </a:spcBef>
+              <a:buFont typeface="Arial" panose="020B0604020202020204" pitchFamily="34" charset="0"/>
+              <a:buChar char="•"/>
+              <a:defRPr sz="1200" kern="1200">
+                <a:solidFill>
+                  <a:schemeClr val="tx1"/>
+                </a:solidFill>
+                <a:effectLst>
+                  <a:outerShdw blurRad="50800" dist="38100" dir="2700000" algn="tl" rotWithShape="0">
+                    <a:srgbClr val="000000">
+                      <a:alpha val="48000"/>
+                    </a:srgbClr>
+                  </a:outerShdw>
+                </a:effectLst>
+                <a:latin typeface="+mn-lt"/>
+                <a:ea typeface="+mn-ea"/>
+                <a:cs typeface="+mn-cs"/>
+              </a:defRPr>
+            </a:lvl8pPr>
+            <a:lvl9pPr marL="3886200" indent="-228600" algn="l" defTabSz="914400" rtl="0" eaLnBrk="1" latinLnBrk="0" hangingPunct="1">
+              <a:lnSpc>
+                <a:spcPct val="120000"/>
+              </a:lnSpc>
+              <a:spcBef>
+                <a:spcPts val="500"/>
+              </a:spcBef>
+              <a:buFont typeface="Arial" panose="020B0604020202020204" pitchFamily="34" charset="0"/>
+              <a:buChar char="•"/>
+              <a:defRPr sz="1200" kern="1200">
+                <a:solidFill>
+                  <a:schemeClr val="tx1"/>
+                </a:solidFill>
+                <a:effectLst>
+                  <a:outerShdw blurRad="50800" dist="38100" dir="2700000" algn="tl" rotWithShape="0">
+                    <a:srgbClr val="000000">
+                      <a:alpha val="48000"/>
+                    </a:srgbClr>
+                  </a:outerShdw>
+                </a:effectLst>
+                <a:latin typeface="+mn-lt"/>
+                <a:ea typeface="+mn-ea"/>
+                <a:cs typeface="+mn-cs"/>
+              </a:defRPr>
+            </a:lvl9pPr>
+          </a:lstStyle>
+          <a:p>
+            <a:pPr>
+              <a:buFontTx/>
+              <a:buChar char="-"/>
+            </a:pPr>
+            <a:r>
+              <a:rPr lang="es-ES" u="sng" dirty="0"/>
+              <a:t>Modificar la política de descuentos</a:t>
+            </a:r>
+            <a:r>
+              <a:rPr lang="es-ES" dirty="0"/>
+              <a:t> a las ordenes para disminuir la cantidad aplicada.</a:t>
+            </a:r>
+          </a:p>
+          <a:p>
+            <a:pPr>
+              <a:buFontTx/>
+              <a:buChar char="-"/>
+            </a:pPr>
+            <a:r>
+              <a:rPr lang="es-ES" u="sng" dirty="0"/>
+              <a:t>Quitar los descuentos por encima del 60%</a:t>
+            </a:r>
+            <a:r>
+              <a:rPr lang="es-ES" dirty="0"/>
+              <a:t>. De ser inviable la venta sin la aplicación de estos descuentos, </a:t>
+            </a:r>
+            <a:r>
+              <a:rPr lang="es-ES" u="sng" dirty="0"/>
+              <a:t>dejar de comercializar</a:t>
+            </a:r>
+            <a:r>
+              <a:rPr lang="es-ES" dirty="0"/>
+              <a:t>.</a:t>
+            </a:r>
+          </a:p>
+          <a:p>
+            <a:pPr>
+              <a:buFontTx/>
+              <a:buChar char="-"/>
+            </a:pPr>
+            <a:endParaRPr lang="es-ES" dirty="0"/>
+          </a:p>
+        </p:txBody>
+      </p:sp>
+      <p:sp>
+        <p:nvSpPr>
+          <p:cNvPr id="4" name="CuadroTexto 3">
+            <a:extLst>
+              <a:ext uri="{FF2B5EF4-FFF2-40B4-BE49-F238E27FC236}">
+                <a16:creationId xmlns:a16="http://schemas.microsoft.com/office/drawing/2014/main" id="{40EEB34E-9D7C-4C14-8CD1-F16118D07A8E}"/>
+              </a:ext>
+            </a:extLst>
+          </p:cNvPr>
+          <p:cNvSpPr txBox="1"/>
+          <p:nvPr/>
+        </p:nvSpPr>
+        <p:spPr>
+          <a:xfrm>
+            <a:off x="4334934" y="1628144"/>
+            <a:ext cx="3350597" cy="615553"/>
+          </a:xfrm>
+          <a:prstGeom prst="rect">
+            <a:avLst/>
+          </a:prstGeom>
+          <a:noFill/>
+        </p:spPr>
+        <p:txBody>
+          <a:bodyPr wrap="none" rtlCol="0">
+            <a:spAutoFit/>
+          </a:bodyPr>
+          <a:lstStyle/>
+          <a:p>
+            <a:r>
+              <a:rPr lang="es-MX" sz="3400" b="1" u="sng" cap="all" dirty="0">
+                <a:effectLst>
+                  <a:outerShdw blurRad="50800" dist="63500" dir="2700000" algn="tl" rotWithShape="0">
+                    <a:srgbClr val="000000">
+                      <a:alpha val="48000"/>
+                    </a:srgbClr>
+                  </a:outerShdw>
+                </a:effectLst>
+                <a:latin typeface="+mj-lt"/>
+                <a:ea typeface="+mj-ea"/>
+                <a:cs typeface="+mj-cs"/>
+              </a:rPr>
+              <a:t>Descuentos</a:t>
+            </a:r>
+            <a:endParaRPr lang="es-ES" sz="3400" b="1" u="sng" cap="all" dirty="0">
+              <a:effectLst>
+                <a:outerShdw blurRad="50800" dist="63500" dir="2700000" algn="tl" rotWithShape="0">
+                  <a:srgbClr val="000000">
+                    <a:alpha val="48000"/>
+                  </a:srgbClr>
+                </a:outerShdw>
+              </a:effectLst>
+              <a:latin typeface="+mj-lt"/>
+              <a:ea typeface="+mj-ea"/>
+              <a:cs typeface="+mj-cs"/>
+            </a:endParaRPr>
+          </a:p>
+        </p:txBody>
+      </p:sp>
+      <p:pic>
+        <p:nvPicPr>
+          <p:cNvPr id="3074" name="Picture 2" descr="Porcentaje de descuento del producto en vez del texto de «Oferta» en Divi">
+            <a:extLst>
+              <a:ext uri="{FF2B5EF4-FFF2-40B4-BE49-F238E27FC236}">
+                <a16:creationId xmlns:a16="http://schemas.microsoft.com/office/drawing/2014/main" id="{234C4108-58A4-40FC-9E75-6B214B6D5CB3}"/>
+              </a:ext>
+            </a:extLst>
+          </p:cNvPr>
+          <p:cNvPicPr>
+            <a:picLocks noChangeAspect="1" noChangeArrowheads="1"/>
+          </p:cNvPicPr>
+          <p:nvPr/>
+        </p:nvPicPr>
+        <p:blipFill>
+          <a:blip r:embed="rId2">
+            <a:extLst>
+              <a:ext uri="{28A0092B-C50C-407E-A947-70E740481C1C}">
+                <a14:useLocalDpi xmlns:a14="http://schemas.microsoft.com/office/drawing/2010/main" val="0"/>
+              </a:ext>
+            </a:extLst>
+          </a:blip>
+          <a:srcRect/>
+          <a:stretch>
+            <a:fillRect/>
+          </a:stretch>
+        </p:blipFill>
+        <p:spPr bwMode="auto">
+          <a:xfrm>
+            <a:off x="913795" y="2954465"/>
+            <a:ext cx="3947589" cy="2684335"/>
+          </a:xfrm>
+          <a:prstGeom prst="rect">
+            <a:avLst/>
+          </a:prstGeom>
+          <a:noFill/>
+          <a:extLst>
+            <a:ext uri="{909E8E84-426E-40DD-AFC4-6F175D3DCCD1}">
+              <a14:hiddenFill xmlns:a14="http://schemas.microsoft.com/office/drawing/2010/main">
+                <a:solidFill>
+                  <a:srgbClr val="FFFFFF"/>
+                </a:solidFill>
+              </a14:hiddenFill>
+            </a:ext>
+          </a:extLst>
+        </p:spPr>
+      </p:pic>
     </p:spTree>
     <p:extLst>
       <p:ext uri="{BB962C8B-B14F-4D97-AF65-F5344CB8AC3E}">
-        <p14:creationId xmlns:p14="http://schemas.microsoft.com/office/powerpoint/2010/main" val="1713675399"/>
+        <p14:creationId xmlns:p14="http://schemas.microsoft.com/office/powerpoint/2010/main" val="4007242960"/>
+      </p:ext>
+    </p:extLst>
+  </p:cSld>
+  <p:clrMapOvr>
+    <a:masterClrMapping/>
+  </p:clrMapOvr>
+</p:sld>
+</file>
+
+<file path=ppt/slides/slide8.xml><?xml version="1.0" encoding="utf-8"?>
+<p:sld xmlns:a="http://schemas.openxmlformats.org/drawingml/2006/main" xmlns:r="http://schemas.openxmlformats.org/officeDocument/2006/relationships" xmlns:p="http://schemas.openxmlformats.org/presentationml/2006/main">
+  <p:cSld>
+    <p:spTree>
+      <p:nvGrpSpPr>
+        <p:cNvPr id="1" name=""/>
+        <p:cNvGrpSpPr/>
+        <p:nvPr/>
+      </p:nvGrpSpPr>
+      <p:grpSpPr>
+        <a:xfrm>
+          <a:off x="0" y="0"/>
+          <a:ext cx="0" cy="0"/>
+          <a:chOff x="0" y="0"/>
+          <a:chExt cx="0" cy="0"/>
+        </a:xfrm>
+      </p:grpSpPr>
+      <p:sp>
+        <p:nvSpPr>
+          <p:cNvPr id="4" name="CuadroTexto 3">
+            <a:extLst>
+              <a:ext uri="{FF2B5EF4-FFF2-40B4-BE49-F238E27FC236}">
+                <a16:creationId xmlns:a16="http://schemas.microsoft.com/office/drawing/2014/main" id="{88F4EFEE-8C91-4BA9-9C73-2D8D7A541F63}"/>
+              </a:ext>
+            </a:extLst>
+          </p:cNvPr>
+          <p:cNvSpPr txBox="1"/>
+          <p:nvPr/>
+        </p:nvSpPr>
+        <p:spPr>
+          <a:xfrm>
+            <a:off x="6090675" y="2822117"/>
+            <a:ext cx="4013200" cy="3139321"/>
+          </a:xfrm>
+          <a:prstGeom prst="rect">
+            <a:avLst/>
+          </a:prstGeom>
+          <a:noFill/>
+        </p:spPr>
+        <p:txBody>
+          <a:bodyPr wrap="square">
+            <a:spAutoFit/>
+          </a:bodyPr>
+          <a:lstStyle/>
+          <a:p>
+            <a:pPr>
+              <a:buFontTx/>
+              <a:buChar char="-"/>
+            </a:pPr>
+            <a:r>
+              <a:rPr lang="es-ES" sz="2000" dirty="0"/>
+              <a:t> </a:t>
+            </a:r>
+            <a:r>
+              <a:rPr lang="es-ES" sz="2000" u="sng" dirty="0"/>
+              <a:t>Reducir o finalizar la </a:t>
+            </a:r>
+            <a:r>
+              <a:rPr lang="es-ES" sz="2000" u="sng" dirty="0">
+                <a:effectLst>
+                  <a:outerShdw blurRad="50800" dist="38100" dir="2700000" algn="tl" rotWithShape="0">
+                    <a:srgbClr val="000000">
+                      <a:alpha val="48000"/>
+                    </a:srgbClr>
+                  </a:outerShdw>
+                </a:effectLst>
+              </a:rPr>
+              <a:t>comercialización</a:t>
+            </a:r>
+            <a:r>
+              <a:rPr lang="es-ES" sz="2000" dirty="0"/>
+              <a:t> de productos en los estados que mas dinero se pierde.</a:t>
+            </a:r>
+          </a:p>
+          <a:p>
+            <a:endParaRPr lang="es-ES" sz="2000" dirty="0"/>
+          </a:p>
+          <a:p>
+            <a:pPr>
+              <a:buFontTx/>
+              <a:buChar char="-"/>
+            </a:pPr>
+            <a:r>
+              <a:rPr lang="es-ES" sz="2000" dirty="0"/>
+              <a:t> </a:t>
+            </a:r>
+            <a:r>
+              <a:rPr lang="es-ES" sz="2000" u="sng" dirty="0"/>
+              <a:t>Disminuir los descuentos aplicados a los mismo</a:t>
+            </a:r>
+            <a:r>
+              <a:rPr lang="es-ES" sz="2000" dirty="0"/>
+              <a:t>, en caso de fracasar las ventas, </a:t>
+            </a:r>
+            <a:r>
+              <a:rPr lang="es-ES" sz="2000" u="sng" dirty="0"/>
+              <a:t>retirarse</a:t>
+            </a:r>
+            <a:r>
+              <a:rPr lang="es-ES" sz="2000" dirty="0"/>
+              <a:t> de ese estado.</a:t>
+            </a:r>
+          </a:p>
+          <a:p>
+            <a:endParaRPr lang="es-ES" dirty="0"/>
+          </a:p>
+        </p:txBody>
+      </p:sp>
+      <p:sp>
+        <p:nvSpPr>
+          <p:cNvPr id="6" name="CuadroTexto 5">
+            <a:extLst>
+              <a:ext uri="{FF2B5EF4-FFF2-40B4-BE49-F238E27FC236}">
+                <a16:creationId xmlns:a16="http://schemas.microsoft.com/office/drawing/2014/main" id="{086F51E5-FABC-4BD3-95AE-0B50836D7F92}"/>
+              </a:ext>
+            </a:extLst>
+          </p:cNvPr>
+          <p:cNvSpPr txBox="1"/>
+          <p:nvPr/>
+        </p:nvSpPr>
+        <p:spPr>
+          <a:xfrm>
+            <a:off x="4898682" y="1627898"/>
+            <a:ext cx="2383986" cy="615553"/>
+          </a:xfrm>
+          <a:prstGeom prst="rect">
+            <a:avLst/>
+          </a:prstGeom>
+          <a:noFill/>
+        </p:spPr>
+        <p:txBody>
+          <a:bodyPr wrap="none" rtlCol="0">
+            <a:spAutoFit/>
+          </a:bodyPr>
+          <a:lstStyle/>
+          <a:p>
+            <a:r>
+              <a:rPr lang="es-MX" sz="3400" b="1" u="sng" cap="all" dirty="0">
+                <a:effectLst>
+                  <a:outerShdw blurRad="50800" dist="63500" dir="2700000" algn="tl" rotWithShape="0">
+                    <a:srgbClr val="000000">
+                      <a:alpha val="48000"/>
+                    </a:srgbClr>
+                  </a:outerShdw>
+                </a:effectLst>
+                <a:latin typeface="+mj-lt"/>
+                <a:ea typeface="+mj-ea"/>
+                <a:cs typeface="+mj-cs"/>
+              </a:rPr>
+              <a:t>Estados</a:t>
+            </a:r>
+            <a:endParaRPr lang="es-ES" sz="3400" b="1" u="sng" cap="all" dirty="0">
+              <a:effectLst>
+                <a:outerShdw blurRad="50800" dist="63500" dir="2700000" algn="tl" rotWithShape="0">
+                  <a:srgbClr val="000000">
+                    <a:alpha val="48000"/>
+                  </a:srgbClr>
+                </a:outerShdw>
+              </a:effectLst>
+              <a:latin typeface="+mj-lt"/>
+              <a:ea typeface="+mj-ea"/>
+              <a:cs typeface="+mj-cs"/>
+            </a:endParaRPr>
+          </a:p>
+        </p:txBody>
+      </p:sp>
+      <p:sp>
+        <p:nvSpPr>
+          <p:cNvPr id="7" name="Título 1">
+            <a:extLst>
+              <a:ext uri="{FF2B5EF4-FFF2-40B4-BE49-F238E27FC236}">
+                <a16:creationId xmlns:a16="http://schemas.microsoft.com/office/drawing/2014/main" id="{91C40A1D-D0D5-4E24-B614-B7AE5300DB2B}"/>
+              </a:ext>
+            </a:extLst>
+          </p:cNvPr>
+          <p:cNvSpPr>
+            <a:spLocks noGrp="1"/>
+          </p:cNvSpPr>
+          <p:nvPr>
+            <p:ph type="title"/>
+          </p:nvPr>
+        </p:nvSpPr>
+        <p:spPr>
+          <a:xfrm>
+            <a:off x="913795" y="609600"/>
+            <a:ext cx="10353761" cy="1326321"/>
+          </a:xfrm>
+        </p:spPr>
+        <p:txBody>
+          <a:bodyPr/>
+          <a:lstStyle/>
+          <a:p>
+            <a:r>
+              <a:rPr lang="es-MX" dirty="0"/>
+              <a:t>recomendaciones</a:t>
+            </a:r>
+            <a:endParaRPr lang="es-ES" dirty="0"/>
+          </a:p>
+        </p:txBody>
+      </p:sp>
+      <p:pic>
+        <p:nvPicPr>
+          <p:cNvPr id="4098" name="Picture 2" descr="26.900+ Dibujado A Mano Mapa De Los Estados Unidos De América Ilustraciones  de Stock, gráficos vectoriales libres de derechos y clip art - iStock">
+            <a:extLst>
+              <a:ext uri="{FF2B5EF4-FFF2-40B4-BE49-F238E27FC236}">
+                <a16:creationId xmlns:a16="http://schemas.microsoft.com/office/drawing/2014/main" id="{0CD176DA-83BE-4151-B803-2C2ADC0D62ED}"/>
+              </a:ext>
+            </a:extLst>
+          </p:cNvPr>
+          <p:cNvPicPr>
+            <a:picLocks noChangeAspect="1" noChangeArrowheads="1"/>
+          </p:cNvPicPr>
+          <p:nvPr/>
+        </p:nvPicPr>
+        <p:blipFill rotWithShape="1">
+          <a:blip r:embed="rId2">
+            <a:extLst>
+              <a:ext uri="{28A0092B-C50C-407E-A947-70E740481C1C}">
+                <a14:useLocalDpi xmlns:a14="http://schemas.microsoft.com/office/drawing/2010/main" val="0"/>
+              </a:ext>
+            </a:extLst>
+          </a:blip>
+          <a:srcRect t="18009"/>
+          <a:stretch/>
+        </p:blipFill>
+        <p:spPr bwMode="auto">
+          <a:xfrm>
+            <a:off x="913795" y="2954219"/>
+            <a:ext cx="4483100" cy="2450488"/>
+          </a:xfrm>
+          <a:prstGeom prst="rect">
+            <a:avLst/>
+          </a:prstGeom>
+          <a:noFill/>
+          <a:extLst>
+            <a:ext uri="{909E8E84-426E-40DD-AFC4-6F175D3DCCD1}">
+              <a14:hiddenFill xmlns:a14="http://schemas.microsoft.com/office/drawing/2010/main">
+                <a:solidFill>
+                  <a:srgbClr val="FFFFFF"/>
+                </a:solidFill>
+              </a14:hiddenFill>
+            </a:ext>
+          </a:extLst>
+        </p:spPr>
+      </p:pic>
+    </p:spTree>
+    <p:extLst>
+      <p:ext uri="{BB962C8B-B14F-4D97-AF65-F5344CB8AC3E}">
+        <p14:creationId xmlns:p14="http://schemas.microsoft.com/office/powerpoint/2010/main" val="2616504403"/>
+      </p:ext>
+    </p:extLst>
+  </p:cSld>
+  <p:clrMapOvr>
+    <a:masterClrMapping/>
+  </p:clrMapOvr>
+</p:sld>
+</file>
+
+<file path=ppt/slides/slide9.xml><?xml version="1.0" encoding="utf-8"?>
+<p:sld xmlns:a="http://schemas.openxmlformats.org/drawingml/2006/main" xmlns:r="http://schemas.openxmlformats.org/officeDocument/2006/relationships" xmlns:p="http://schemas.openxmlformats.org/presentationml/2006/main">
+  <p:cSld>
+    <p:spTree>
+      <p:nvGrpSpPr>
+        <p:cNvPr id="1" name=""/>
+        <p:cNvGrpSpPr/>
+        <p:nvPr/>
+      </p:nvGrpSpPr>
+      <p:grpSpPr>
+        <a:xfrm>
+          <a:off x="0" y="0"/>
+          <a:ext cx="0" cy="0"/>
+          <a:chOff x="0" y="0"/>
+          <a:chExt cx="0" cy="0"/>
+        </a:xfrm>
+      </p:grpSpPr>
+      <p:sp>
+        <p:nvSpPr>
+          <p:cNvPr id="4" name="CuadroTexto 3">
+            <a:extLst>
+              <a:ext uri="{FF2B5EF4-FFF2-40B4-BE49-F238E27FC236}">
+                <a16:creationId xmlns:a16="http://schemas.microsoft.com/office/drawing/2014/main" id="{8035BF56-FEA0-46AF-8359-F7FF90FC1FAB}"/>
+              </a:ext>
+            </a:extLst>
+          </p:cNvPr>
+          <p:cNvSpPr txBox="1"/>
+          <p:nvPr/>
+        </p:nvSpPr>
+        <p:spPr>
+          <a:xfrm>
+            <a:off x="6243075" y="2640169"/>
+            <a:ext cx="3860800" cy="3970318"/>
+          </a:xfrm>
+          <a:prstGeom prst="rect">
+            <a:avLst/>
+          </a:prstGeom>
+          <a:noFill/>
+        </p:spPr>
+        <p:txBody>
+          <a:bodyPr wrap="square">
+            <a:spAutoFit/>
+          </a:bodyPr>
+          <a:lstStyle/>
+          <a:p>
+            <a:pPr>
+              <a:buFontTx/>
+              <a:buChar char="-"/>
+            </a:pPr>
+            <a:r>
+              <a:rPr lang="es-ES" dirty="0"/>
+              <a:t> Buscar </a:t>
+            </a:r>
+            <a:r>
+              <a:rPr lang="es-ES" u="sng" dirty="0"/>
+              <a:t>nuevos proveedores</a:t>
+            </a:r>
+            <a:r>
+              <a:rPr lang="es-ES" dirty="0"/>
+              <a:t> que nos ofrezcan la misma mercadería a mejor precio para tener mayor margen.  </a:t>
+            </a:r>
+          </a:p>
+          <a:p>
+            <a:pPr>
+              <a:buFontTx/>
+              <a:buChar char="-"/>
+            </a:pPr>
+            <a:endParaRPr lang="es-ES" dirty="0"/>
+          </a:p>
+          <a:p>
+            <a:pPr>
+              <a:buFontTx/>
+              <a:buChar char="-"/>
+            </a:pPr>
+            <a:r>
+              <a:rPr lang="es-ES" dirty="0"/>
+              <a:t> </a:t>
+            </a:r>
+            <a:r>
+              <a:rPr lang="es-ES" u="sng" dirty="0"/>
+              <a:t>Dejar de comercializar los productos de tables </a:t>
+            </a:r>
+            <a:r>
+              <a:rPr lang="es-ES" dirty="0"/>
+              <a:t>ya que producen una perdida general a todos los estados. </a:t>
+            </a:r>
+          </a:p>
+          <a:p>
+            <a:pPr>
+              <a:buFontTx/>
+              <a:buChar char="-"/>
+            </a:pPr>
+            <a:endParaRPr lang="es-ES" dirty="0"/>
+          </a:p>
+          <a:p>
+            <a:pPr>
+              <a:buFontTx/>
+              <a:buChar char="-"/>
+            </a:pPr>
+            <a:r>
+              <a:rPr lang="es-ES" dirty="0"/>
+              <a:t> </a:t>
+            </a:r>
+            <a:r>
+              <a:rPr lang="es-ES" u="sng" dirty="0"/>
+              <a:t>Finalizar con la comercialización</a:t>
+            </a:r>
+            <a:r>
+              <a:rPr lang="es-ES" dirty="0"/>
+              <a:t> de </a:t>
+            </a:r>
+            <a:r>
+              <a:rPr lang="es-ES" dirty="0" err="1"/>
+              <a:t>binders</a:t>
+            </a:r>
+            <a:r>
+              <a:rPr lang="es-ES" dirty="0"/>
+              <a:t>, machines y tables en los 10 peores estados. </a:t>
+            </a:r>
+          </a:p>
+          <a:p>
+            <a:endParaRPr lang="es-ES" dirty="0"/>
+          </a:p>
+        </p:txBody>
+      </p:sp>
+      <p:sp>
+        <p:nvSpPr>
+          <p:cNvPr id="7" name="CuadroTexto 6">
+            <a:extLst>
+              <a:ext uri="{FF2B5EF4-FFF2-40B4-BE49-F238E27FC236}">
+                <a16:creationId xmlns:a16="http://schemas.microsoft.com/office/drawing/2014/main" id="{96EBD5DD-002E-4D57-8D52-1ADE6A2EFB5B}"/>
+              </a:ext>
+            </a:extLst>
+          </p:cNvPr>
+          <p:cNvSpPr txBox="1"/>
+          <p:nvPr/>
+        </p:nvSpPr>
+        <p:spPr>
+          <a:xfrm>
+            <a:off x="5051082" y="1780298"/>
+            <a:ext cx="3089307" cy="615553"/>
+          </a:xfrm>
+          <a:prstGeom prst="rect">
+            <a:avLst/>
+          </a:prstGeom>
+          <a:noFill/>
+        </p:spPr>
+        <p:txBody>
+          <a:bodyPr wrap="none" rtlCol="0">
+            <a:spAutoFit/>
+          </a:bodyPr>
+          <a:lstStyle/>
+          <a:p>
+            <a:r>
+              <a:rPr lang="es-MX" sz="3400" b="1" u="sng" cap="all" dirty="0">
+                <a:effectLst>
+                  <a:outerShdw blurRad="50800" dist="63500" dir="2700000" algn="tl" rotWithShape="0">
+                    <a:srgbClr val="000000">
+                      <a:alpha val="48000"/>
+                    </a:srgbClr>
+                  </a:outerShdw>
+                </a:effectLst>
+                <a:latin typeface="+mj-lt"/>
+                <a:ea typeface="+mj-ea"/>
+                <a:cs typeface="+mj-cs"/>
+              </a:rPr>
+              <a:t>productos</a:t>
+            </a:r>
+            <a:endParaRPr lang="es-ES" sz="3400" b="1" u="sng" cap="all" dirty="0">
+              <a:effectLst>
+                <a:outerShdw blurRad="50800" dist="63500" dir="2700000" algn="tl" rotWithShape="0">
+                  <a:srgbClr val="000000">
+                    <a:alpha val="48000"/>
+                  </a:srgbClr>
+                </a:outerShdw>
+              </a:effectLst>
+              <a:latin typeface="+mj-lt"/>
+              <a:ea typeface="+mj-ea"/>
+              <a:cs typeface="+mj-cs"/>
+            </a:endParaRPr>
+          </a:p>
+        </p:txBody>
+      </p:sp>
+      <p:sp>
+        <p:nvSpPr>
+          <p:cNvPr id="8" name="Título 1">
+            <a:extLst>
+              <a:ext uri="{FF2B5EF4-FFF2-40B4-BE49-F238E27FC236}">
+                <a16:creationId xmlns:a16="http://schemas.microsoft.com/office/drawing/2014/main" id="{5D9CF9FD-3D63-43E5-9062-F661F3DDE67A}"/>
+              </a:ext>
+            </a:extLst>
+          </p:cNvPr>
+          <p:cNvSpPr txBox="1">
+            <a:spLocks/>
+          </p:cNvSpPr>
+          <p:nvPr/>
+        </p:nvSpPr>
+        <p:spPr>
+          <a:xfrm>
+            <a:off x="1066195" y="762000"/>
+            <a:ext cx="10353761" cy="1326321"/>
+          </a:xfrm>
+          <a:prstGeom prst="rect">
+            <a:avLst/>
+          </a:prstGeom>
+        </p:spPr>
+        <p:txBody>
+          <a:bodyPr vert="horz" lIns="91440" tIns="45720" rIns="91440" bIns="45720" rtlCol="0" anchor="ctr">
+            <a:normAutofit/>
+          </a:bodyPr>
+          <a:lstStyle>
+            <a:lvl1pPr algn="ctr" defTabSz="914400" rtl="0" eaLnBrk="1" latinLnBrk="0" hangingPunct="1">
+              <a:lnSpc>
+                <a:spcPct val="90000"/>
+              </a:lnSpc>
+              <a:spcBef>
+                <a:spcPct val="0"/>
+              </a:spcBef>
+              <a:buNone/>
+              <a:defRPr sz="3400" b="1" i="0" kern="1200" cap="all">
+                <a:solidFill>
+                  <a:schemeClr val="tx1"/>
+                </a:solidFill>
+                <a:effectLst>
+                  <a:outerShdw blurRad="50800" dist="63500" dir="2700000" algn="tl" rotWithShape="0">
+                    <a:srgbClr val="000000">
+                      <a:alpha val="48000"/>
+                    </a:srgbClr>
+                  </a:outerShdw>
+                </a:effectLst>
+                <a:latin typeface="+mj-lt"/>
+                <a:ea typeface="+mj-ea"/>
+                <a:cs typeface="+mj-cs"/>
+              </a:defRPr>
+            </a:lvl1pPr>
+          </a:lstStyle>
+          <a:p>
+            <a:r>
+              <a:rPr lang="es-MX"/>
+              <a:t>recomendaciones</a:t>
+            </a:r>
+            <a:endParaRPr lang="es-ES" dirty="0"/>
+          </a:p>
+        </p:txBody>
+      </p:sp>
+      <p:pic>
+        <p:nvPicPr>
+          <p:cNvPr id="5126" name="Picture 6" descr="Icono de Proveedor Special Flat | Freepik">
+            <a:extLst>
+              <a:ext uri="{FF2B5EF4-FFF2-40B4-BE49-F238E27FC236}">
+                <a16:creationId xmlns:a16="http://schemas.microsoft.com/office/drawing/2014/main" id="{4D83A9CF-6296-44D4-8A74-7DE2AE5658F2}"/>
+              </a:ext>
+            </a:extLst>
+          </p:cNvPr>
+          <p:cNvPicPr>
+            <a:picLocks noChangeAspect="1" noChangeArrowheads="1"/>
+          </p:cNvPicPr>
+          <p:nvPr/>
+        </p:nvPicPr>
+        <p:blipFill>
+          <a:blip r:embed="rId2">
+            <a:extLst>
+              <a:ext uri="{28A0092B-C50C-407E-A947-70E740481C1C}">
+                <a14:useLocalDpi xmlns:a14="http://schemas.microsoft.com/office/drawing/2010/main" val="0"/>
+              </a:ext>
+            </a:extLst>
+          </a:blip>
+          <a:srcRect/>
+          <a:stretch>
+            <a:fillRect/>
+          </a:stretch>
+        </p:blipFill>
+        <p:spPr bwMode="auto">
+          <a:xfrm>
+            <a:off x="1836661" y="2760133"/>
+            <a:ext cx="3335867" cy="3335867"/>
+          </a:xfrm>
+          <a:prstGeom prst="rect">
+            <a:avLst/>
+          </a:prstGeom>
+          <a:noFill/>
+          <a:extLst>
+            <a:ext uri="{909E8E84-426E-40DD-AFC4-6F175D3DCCD1}">
+              <a14:hiddenFill xmlns:a14="http://schemas.microsoft.com/office/drawing/2010/main">
+                <a:solidFill>
+                  <a:srgbClr val="FFFFFF"/>
+                </a:solidFill>
+              </a14:hiddenFill>
+            </a:ext>
+          </a:extLst>
+        </p:spPr>
+      </p:pic>
+    </p:spTree>
+    <p:extLst>
+      <p:ext uri="{BB962C8B-B14F-4D97-AF65-F5344CB8AC3E}">
+        <p14:creationId xmlns:p14="http://schemas.microsoft.com/office/powerpoint/2010/main" val="249809597"/>
       </p:ext>
     </p:extLst>
   </p:cSld>
